--- a/Apresentação/Apresentação R6CC.pptx
+++ b/Apresentação/Apresentação R6CC.pptx
@@ -6,6 +6,10 @@
   </p:sldMasterIdLst>
   <p:sldIdLst>
     <p:sldId id="256" r:id="rId2"/>
+    <p:sldId id="260" r:id="rId3"/>
+    <p:sldId id="259" r:id="rId4"/>
+    <p:sldId id="261" r:id="rId5"/>
+    <p:sldId id="258" r:id="rId6"/>
   </p:sldIdLst>
   <p:sldSz cx="12192000" cy="6858000"/>
   <p:notesSz cx="6858000" cy="9144000"/>
@@ -3512,6 +3516,2183 @@
           </a:p>
         </p:txBody>
       </p:sp>
+    </p:spTree>
+    <p:extLst>
+      <p:ext uri="{BB962C8B-B14F-4D97-AF65-F5344CB8AC3E}">
+        <p14:creationId xmlns:p14="http://schemas.microsoft.com/office/powerpoint/2010/main" val="1026325926"/>
+      </p:ext>
+    </p:extLst>
+  </p:cSld>
+  <p:clrMapOvr>
+    <a:masterClrMapping/>
+  </p:clrMapOvr>
+  <p:timing>
+    <p:tnLst>
+      <p:par>
+        <p:cTn id="1" dur="indefinite" restart="never" nodeType="tmRoot">
+          <p:childTnLst>
+            <p:seq concurrent="1" nextAc="seek">
+              <p:cTn id="2" dur="indefinite" nodeType="mainSeq">
+                <p:childTnLst>
+                  <p:par>
+                    <p:cTn id="3" fill="hold">
+                      <p:stCondLst>
+                        <p:cond delay="indefinite"/>
+                        <p:cond evt="onBegin" delay="0">
+                          <p:tn val="2"/>
+                        </p:cond>
+                      </p:stCondLst>
+                      <p:childTnLst>
+                        <p:par>
+                          <p:cTn id="4" fill="hold">
+                            <p:stCondLst>
+                              <p:cond delay="0"/>
+                            </p:stCondLst>
+                            <p:childTnLst>
+                              <p:par>
+                                <p:cTn id="5" presetID="42" presetClass="path" presetSubtype="0" accel="50000" decel="50000" fill="hold" nodeType="withEffect">
+                                  <p:stCondLst>
+                                    <p:cond delay="0"/>
+                                  </p:stCondLst>
+                                  <p:childTnLst>
+                                    <p:animMotion origin="layout" path="M 0.00768 0.10255 L 0.00026 -1 " pathEditMode="relative" rAng="0" ptsTypes="AA">
+                                      <p:cBhvr>
+                                        <p:cTn id="6" dur="1500" fill="hold"/>
+                                        <p:tgtEl>
+                                          <p:spTgt spid="1028"/>
+                                        </p:tgtEl>
+                                        <p:attrNameLst>
+                                          <p:attrName>ppt_x</p:attrName>
+                                          <p:attrName>ppt_y</p:attrName>
+                                        </p:attrNameLst>
+                                      </p:cBhvr>
+                                      <p:rCtr x="-378" y="-55139"/>
+                                    </p:animMotion>
+                                  </p:childTnLst>
+                                </p:cTn>
+                              </p:par>
+                            </p:childTnLst>
+                          </p:cTn>
+                        </p:par>
+                        <p:par>
+                          <p:cTn id="7" fill="hold">
+                            <p:stCondLst>
+                              <p:cond delay="1500"/>
+                            </p:stCondLst>
+                            <p:childTnLst>
+                              <p:par>
+                                <p:cTn id="8" presetID="10" presetClass="entr" presetSubtype="0" fill="hold" nodeType="afterEffect">
+                                  <p:stCondLst>
+                                    <p:cond delay="0"/>
+                                  </p:stCondLst>
+                                  <p:childTnLst>
+                                    <p:set>
+                                      <p:cBhvr>
+                                        <p:cTn id="9" dur="1" fill="hold">
+                                          <p:stCondLst>
+                                            <p:cond delay="0"/>
+                                          </p:stCondLst>
+                                        </p:cTn>
+                                        <p:tgtEl>
+                                          <p:spTgt spid="7"/>
+                                        </p:tgtEl>
+                                        <p:attrNameLst>
+                                          <p:attrName>style.visibility</p:attrName>
+                                        </p:attrNameLst>
+                                      </p:cBhvr>
+                                      <p:to>
+                                        <p:strVal val="visible"/>
+                                      </p:to>
+                                    </p:set>
+                                    <p:animEffect transition="in" filter="fade">
+                                      <p:cBhvr>
+                                        <p:cTn id="10" dur="750"/>
+                                        <p:tgtEl>
+                                          <p:spTgt spid="7"/>
+                                        </p:tgtEl>
+                                      </p:cBhvr>
+                                    </p:animEffect>
+                                  </p:childTnLst>
+                                </p:cTn>
+                              </p:par>
+                            </p:childTnLst>
+                          </p:cTn>
+                        </p:par>
+                      </p:childTnLst>
+                    </p:cTn>
+                  </p:par>
+                  <p:par>
+                    <p:cTn id="11" fill="hold">
+                      <p:stCondLst>
+                        <p:cond delay="indefinite"/>
+                      </p:stCondLst>
+                      <p:childTnLst>
+                        <p:par>
+                          <p:cTn id="12" fill="hold">
+                            <p:stCondLst>
+                              <p:cond delay="0"/>
+                            </p:stCondLst>
+                            <p:childTnLst>
+                              <p:par>
+                                <p:cTn id="13" presetID="42" presetClass="entr" presetSubtype="0" fill="hold" grpId="0" nodeType="clickEffect">
+                                  <p:stCondLst>
+                                    <p:cond delay="0"/>
+                                  </p:stCondLst>
+                                  <p:childTnLst>
+                                    <p:set>
+                                      <p:cBhvr>
+                                        <p:cTn id="14" dur="1" fill="hold">
+                                          <p:stCondLst>
+                                            <p:cond delay="0"/>
+                                          </p:stCondLst>
+                                        </p:cTn>
+                                        <p:tgtEl>
+                                          <p:spTgt spid="13">
+                                            <p:txEl>
+                                              <p:pRg st="0" end="0"/>
+                                            </p:txEl>
+                                          </p:spTgt>
+                                        </p:tgtEl>
+                                        <p:attrNameLst>
+                                          <p:attrName>style.visibility</p:attrName>
+                                        </p:attrNameLst>
+                                      </p:cBhvr>
+                                      <p:to>
+                                        <p:strVal val="visible"/>
+                                      </p:to>
+                                    </p:set>
+                                    <p:animEffect transition="in" filter="fade">
+                                      <p:cBhvr>
+                                        <p:cTn id="15" dur="1000"/>
+                                        <p:tgtEl>
+                                          <p:spTgt spid="13">
+                                            <p:txEl>
+                                              <p:pRg st="0" end="0"/>
+                                            </p:txEl>
+                                          </p:spTgt>
+                                        </p:tgtEl>
+                                      </p:cBhvr>
+                                    </p:animEffect>
+                                    <p:anim calcmode="lin" valueType="num">
+                                      <p:cBhvr>
+                                        <p:cTn id="16" dur="1000" fill="hold"/>
+                                        <p:tgtEl>
+                                          <p:spTgt spid="13">
+                                            <p:txEl>
+                                              <p:pRg st="0" end="0"/>
+                                            </p:txEl>
+                                          </p:spTgt>
+                                        </p:tgtEl>
+                                        <p:attrNameLst>
+                                          <p:attrName>ppt_x</p:attrName>
+                                        </p:attrNameLst>
+                                      </p:cBhvr>
+                                      <p:tavLst>
+                                        <p:tav tm="0">
+                                          <p:val>
+                                            <p:strVal val="#ppt_x"/>
+                                          </p:val>
+                                        </p:tav>
+                                        <p:tav tm="100000">
+                                          <p:val>
+                                            <p:strVal val="#ppt_x"/>
+                                          </p:val>
+                                        </p:tav>
+                                      </p:tavLst>
+                                    </p:anim>
+                                    <p:anim calcmode="lin" valueType="num">
+                                      <p:cBhvr>
+                                        <p:cTn id="17" dur="1000" fill="hold"/>
+                                        <p:tgtEl>
+                                          <p:spTgt spid="13">
+                                            <p:txEl>
+                                              <p:pRg st="0" end="0"/>
+                                            </p:txEl>
+                                          </p:spTgt>
+                                        </p:tgtEl>
+                                        <p:attrNameLst>
+                                          <p:attrName>ppt_y</p:attrName>
+                                        </p:attrNameLst>
+                                      </p:cBhvr>
+                                      <p:tavLst>
+                                        <p:tav tm="0">
+                                          <p:val>
+                                            <p:strVal val="#ppt_y+.1"/>
+                                          </p:val>
+                                        </p:tav>
+                                        <p:tav tm="100000">
+                                          <p:val>
+                                            <p:strVal val="#ppt_y"/>
+                                          </p:val>
+                                        </p:tav>
+                                      </p:tavLst>
+                                    </p:anim>
+                                  </p:childTnLst>
+                                </p:cTn>
+                              </p:par>
+                              <p:par>
+                                <p:cTn id="18" presetID="32" presetClass="emph" presetSubtype="0" fill="hold" nodeType="withEffect">
+                                  <p:stCondLst>
+                                    <p:cond delay="0"/>
+                                  </p:stCondLst>
+                                  <p:childTnLst>
+                                    <p:animRot by="120000">
+                                      <p:cBhvr>
+                                        <p:cTn id="19" dur="100" fill="hold">
+                                          <p:stCondLst>
+                                            <p:cond delay="0"/>
+                                          </p:stCondLst>
+                                        </p:cTn>
+                                        <p:tgtEl>
+                                          <p:spTgt spid="1028"/>
+                                        </p:tgtEl>
+                                        <p:attrNameLst>
+                                          <p:attrName>r</p:attrName>
+                                        </p:attrNameLst>
+                                      </p:cBhvr>
+                                    </p:animRot>
+                                    <p:animRot by="-240000">
+                                      <p:cBhvr>
+                                        <p:cTn id="20" dur="200" fill="hold">
+                                          <p:stCondLst>
+                                            <p:cond delay="200"/>
+                                          </p:stCondLst>
+                                        </p:cTn>
+                                        <p:tgtEl>
+                                          <p:spTgt spid="1028"/>
+                                        </p:tgtEl>
+                                        <p:attrNameLst>
+                                          <p:attrName>r</p:attrName>
+                                        </p:attrNameLst>
+                                      </p:cBhvr>
+                                    </p:animRot>
+                                    <p:animRot by="240000">
+                                      <p:cBhvr>
+                                        <p:cTn id="21" dur="200" fill="hold">
+                                          <p:stCondLst>
+                                            <p:cond delay="400"/>
+                                          </p:stCondLst>
+                                        </p:cTn>
+                                        <p:tgtEl>
+                                          <p:spTgt spid="1028"/>
+                                        </p:tgtEl>
+                                        <p:attrNameLst>
+                                          <p:attrName>r</p:attrName>
+                                        </p:attrNameLst>
+                                      </p:cBhvr>
+                                    </p:animRot>
+                                    <p:animRot by="-240000">
+                                      <p:cBhvr>
+                                        <p:cTn id="22" dur="200" fill="hold">
+                                          <p:stCondLst>
+                                            <p:cond delay="600"/>
+                                          </p:stCondLst>
+                                        </p:cTn>
+                                        <p:tgtEl>
+                                          <p:spTgt spid="1028"/>
+                                        </p:tgtEl>
+                                        <p:attrNameLst>
+                                          <p:attrName>r</p:attrName>
+                                        </p:attrNameLst>
+                                      </p:cBhvr>
+                                    </p:animRot>
+                                    <p:animRot by="120000">
+                                      <p:cBhvr>
+                                        <p:cTn id="23" dur="200" fill="hold">
+                                          <p:stCondLst>
+                                            <p:cond delay="800"/>
+                                          </p:stCondLst>
+                                        </p:cTn>
+                                        <p:tgtEl>
+                                          <p:spTgt spid="1028"/>
+                                        </p:tgtEl>
+                                        <p:attrNameLst>
+                                          <p:attrName>r</p:attrName>
+                                        </p:attrNameLst>
+                                      </p:cBhvr>
+                                    </p:animRot>
+                                  </p:childTnLst>
+                                </p:cTn>
+                              </p:par>
+                              <p:par>
+                                <p:cTn id="24" presetID="32" presetClass="emph" presetSubtype="0" fill="hold" nodeType="withEffect">
+                                  <p:stCondLst>
+                                    <p:cond delay="0"/>
+                                  </p:stCondLst>
+                                  <p:childTnLst>
+                                    <p:animRot by="120000">
+                                      <p:cBhvr>
+                                        <p:cTn id="25" dur="100" fill="hold">
+                                          <p:stCondLst>
+                                            <p:cond delay="0"/>
+                                          </p:stCondLst>
+                                        </p:cTn>
+                                        <p:tgtEl>
+                                          <p:spTgt spid="1028"/>
+                                        </p:tgtEl>
+                                        <p:attrNameLst>
+                                          <p:attrName>r</p:attrName>
+                                        </p:attrNameLst>
+                                      </p:cBhvr>
+                                    </p:animRot>
+                                    <p:animRot by="-240000">
+                                      <p:cBhvr>
+                                        <p:cTn id="26" dur="200" fill="hold">
+                                          <p:stCondLst>
+                                            <p:cond delay="200"/>
+                                          </p:stCondLst>
+                                        </p:cTn>
+                                        <p:tgtEl>
+                                          <p:spTgt spid="1028"/>
+                                        </p:tgtEl>
+                                        <p:attrNameLst>
+                                          <p:attrName>r</p:attrName>
+                                        </p:attrNameLst>
+                                      </p:cBhvr>
+                                    </p:animRot>
+                                    <p:animRot by="240000">
+                                      <p:cBhvr>
+                                        <p:cTn id="27" dur="200" fill="hold">
+                                          <p:stCondLst>
+                                            <p:cond delay="400"/>
+                                          </p:stCondLst>
+                                        </p:cTn>
+                                        <p:tgtEl>
+                                          <p:spTgt spid="1028"/>
+                                        </p:tgtEl>
+                                        <p:attrNameLst>
+                                          <p:attrName>r</p:attrName>
+                                        </p:attrNameLst>
+                                      </p:cBhvr>
+                                    </p:animRot>
+                                    <p:animRot by="-240000">
+                                      <p:cBhvr>
+                                        <p:cTn id="28" dur="200" fill="hold">
+                                          <p:stCondLst>
+                                            <p:cond delay="600"/>
+                                          </p:stCondLst>
+                                        </p:cTn>
+                                        <p:tgtEl>
+                                          <p:spTgt spid="1028"/>
+                                        </p:tgtEl>
+                                        <p:attrNameLst>
+                                          <p:attrName>r</p:attrName>
+                                        </p:attrNameLst>
+                                      </p:cBhvr>
+                                    </p:animRot>
+                                    <p:animRot by="120000">
+                                      <p:cBhvr>
+                                        <p:cTn id="29" dur="200" fill="hold">
+                                          <p:stCondLst>
+                                            <p:cond delay="800"/>
+                                          </p:stCondLst>
+                                        </p:cTn>
+                                        <p:tgtEl>
+                                          <p:spTgt spid="1028"/>
+                                        </p:tgtEl>
+                                        <p:attrNameLst>
+                                          <p:attrName>r</p:attrName>
+                                        </p:attrNameLst>
+                                      </p:cBhvr>
+                                    </p:animRot>
+                                  </p:childTnLst>
+                                </p:cTn>
+                              </p:par>
+                              <p:par>
+                                <p:cTn id="30" presetID="32" presetClass="emph" presetSubtype="0" fill="hold" nodeType="withEffect">
+                                  <p:stCondLst>
+                                    <p:cond delay="0"/>
+                                  </p:stCondLst>
+                                  <p:childTnLst>
+                                    <p:animRot by="120000">
+                                      <p:cBhvr>
+                                        <p:cTn id="31" dur="100" fill="hold">
+                                          <p:stCondLst>
+                                            <p:cond delay="0"/>
+                                          </p:stCondLst>
+                                        </p:cTn>
+                                        <p:tgtEl>
+                                          <p:spTgt spid="1028"/>
+                                        </p:tgtEl>
+                                        <p:attrNameLst>
+                                          <p:attrName>r</p:attrName>
+                                        </p:attrNameLst>
+                                      </p:cBhvr>
+                                    </p:animRot>
+                                    <p:animRot by="-240000">
+                                      <p:cBhvr>
+                                        <p:cTn id="32" dur="200" fill="hold">
+                                          <p:stCondLst>
+                                            <p:cond delay="200"/>
+                                          </p:stCondLst>
+                                        </p:cTn>
+                                        <p:tgtEl>
+                                          <p:spTgt spid="1028"/>
+                                        </p:tgtEl>
+                                        <p:attrNameLst>
+                                          <p:attrName>r</p:attrName>
+                                        </p:attrNameLst>
+                                      </p:cBhvr>
+                                    </p:animRot>
+                                    <p:animRot by="240000">
+                                      <p:cBhvr>
+                                        <p:cTn id="33" dur="200" fill="hold">
+                                          <p:stCondLst>
+                                            <p:cond delay="400"/>
+                                          </p:stCondLst>
+                                        </p:cTn>
+                                        <p:tgtEl>
+                                          <p:spTgt spid="1028"/>
+                                        </p:tgtEl>
+                                        <p:attrNameLst>
+                                          <p:attrName>r</p:attrName>
+                                        </p:attrNameLst>
+                                      </p:cBhvr>
+                                    </p:animRot>
+                                    <p:animRot by="-240000">
+                                      <p:cBhvr>
+                                        <p:cTn id="34" dur="200" fill="hold">
+                                          <p:stCondLst>
+                                            <p:cond delay="600"/>
+                                          </p:stCondLst>
+                                        </p:cTn>
+                                        <p:tgtEl>
+                                          <p:spTgt spid="1028"/>
+                                        </p:tgtEl>
+                                        <p:attrNameLst>
+                                          <p:attrName>r</p:attrName>
+                                        </p:attrNameLst>
+                                      </p:cBhvr>
+                                    </p:animRot>
+                                    <p:animRot by="120000">
+                                      <p:cBhvr>
+                                        <p:cTn id="35" dur="200" fill="hold">
+                                          <p:stCondLst>
+                                            <p:cond delay="800"/>
+                                          </p:stCondLst>
+                                        </p:cTn>
+                                        <p:tgtEl>
+                                          <p:spTgt spid="1028"/>
+                                        </p:tgtEl>
+                                        <p:attrNameLst>
+                                          <p:attrName>r</p:attrName>
+                                        </p:attrNameLst>
+                                      </p:cBhvr>
+                                    </p:animRot>
+                                  </p:childTnLst>
+                                </p:cTn>
+                              </p:par>
+                            </p:childTnLst>
+                          </p:cTn>
+                        </p:par>
+                      </p:childTnLst>
+                    </p:cTn>
+                  </p:par>
+                </p:childTnLst>
+              </p:cTn>
+              <p:prevCondLst>
+                <p:cond evt="onPrev" delay="0">
+                  <p:tgtEl>
+                    <p:sldTgt/>
+                  </p:tgtEl>
+                </p:cond>
+              </p:prevCondLst>
+              <p:nextCondLst>
+                <p:cond evt="onNext" delay="0">
+                  <p:tgtEl>
+                    <p:sldTgt/>
+                  </p:tgtEl>
+                </p:cond>
+              </p:nextCondLst>
+            </p:seq>
+          </p:childTnLst>
+        </p:cTn>
+      </p:par>
+    </p:tnLst>
+    <p:bldLst>
+      <p:bldP spid="13" grpId="0" build="p"/>
+    </p:bldLst>
+  </p:timing>
+</p:sld>
+</file>
+
+<file path=ppt/slides/slide2.xml><?xml version="1.0" encoding="utf-8"?>
+<p:sld xmlns:a="http://schemas.openxmlformats.org/drawingml/2006/main" xmlns:r="http://schemas.openxmlformats.org/officeDocument/2006/relationships" xmlns:p="http://schemas.openxmlformats.org/presentationml/2006/main">
+  <p:cSld>
+    <p:spTree>
+      <p:nvGrpSpPr>
+        <p:cNvPr id="1" name=""/>
+        <p:cNvGrpSpPr/>
+        <p:nvPr/>
+      </p:nvGrpSpPr>
+      <p:grpSpPr>
+        <a:xfrm>
+          <a:off x="0" y="0"/>
+          <a:ext cx="0" cy="0"/>
+          <a:chOff x="0" y="0"/>
+          <a:chExt cx="0" cy="0"/>
+        </a:xfrm>
+      </p:grpSpPr>
+      <p:sp>
+        <p:nvSpPr>
+          <p:cNvPr id="4" name="Retângulo 3">
+            <a:extLst>
+              <a:ext uri="{FF2B5EF4-FFF2-40B4-BE49-F238E27FC236}">
+                <a16:creationId xmlns:a16="http://schemas.microsoft.com/office/drawing/2014/main" id="{3BD72A42-CC88-4B5B-AD1E-607D168EA229}"/>
+              </a:ext>
+            </a:extLst>
+          </p:cNvPr>
+          <p:cNvSpPr/>
+          <p:nvPr/>
+        </p:nvSpPr>
+        <p:spPr>
+          <a:xfrm>
+            <a:off x="0" y="0"/>
+            <a:ext cx="12192000" cy="6858000"/>
+          </a:xfrm>
+          <a:prstGeom prst="rect">
+            <a:avLst/>
+          </a:prstGeom>
+          <a:solidFill>
+            <a:schemeClr val="tx1">
+              <a:alpha val="90000"/>
+            </a:schemeClr>
+          </a:solidFill>
+          <a:ln>
+            <a:noFill/>
+          </a:ln>
+        </p:spPr>
+        <p:style>
+          <a:lnRef idx="2">
+            <a:schemeClr val="accent1">
+              <a:shade val="50000"/>
+            </a:schemeClr>
+          </a:lnRef>
+          <a:fillRef idx="1">
+            <a:schemeClr val="accent1"/>
+          </a:fillRef>
+          <a:effectRef idx="0">
+            <a:schemeClr val="accent1"/>
+          </a:effectRef>
+          <a:fontRef idx="minor">
+            <a:schemeClr val="lt1"/>
+          </a:fontRef>
+        </p:style>
+        <p:txBody>
+          <a:bodyPr rtlCol="0" anchor="ctr"/>
+          <a:lstStyle/>
+          <a:p>
+            <a:pPr algn="ctr"/>
+            <a:endParaRPr lang="pt-BR"/>
+          </a:p>
+        </p:txBody>
+      </p:sp>
+      <p:sp>
+        <p:nvSpPr>
+          <p:cNvPr id="5" name="Título 4">
+            <a:extLst>
+              <a:ext uri="{FF2B5EF4-FFF2-40B4-BE49-F238E27FC236}">
+                <a16:creationId xmlns:a16="http://schemas.microsoft.com/office/drawing/2014/main" id="{CCEBDFDD-928D-48FC-9BA2-1C15D7BE0C17}"/>
+              </a:ext>
+            </a:extLst>
+          </p:cNvPr>
+          <p:cNvSpPr>
+            <a:spLocks noGrp="1"/>
+          </p:cNvSpPr>
+          <p:nvPr>
+            <p:ph type="title"/>
+          </p:nvPr>
+        </p:nvSpPr>
+        <p:spPr/>
+        <p:txBody>
+          <a:bodyPr/>
+          <a:lstStyle/>
+          <a:p>
+            <a:r>
+              <a:rPr lang="pt-BR" dirty="0">
+                <a:solidFill>
+                  <a:schemeClr val="bg1"/>
+                </a:solidFill>
+              </a:rPr>
+              <a:t>É um CQB (Close Quarters Battle)</a:t>
+            </a:r>
+          </a:p>
+        </p:txBody>
+      </p:sp>
+      <p:sp>
+        <p:nvSpPr>
+          <p:cNvPr id="6" name="Espaço Reservado para Conteúdo 5">
+            <a:extLst>
+              <a:ext uri="{FF2B5EF4-FFF2-40B4-BE49-F238E27FC236}">
+                <a16:creationId xmlns:a16="http://schemas.microsoft.com/office/drawing/2014/main" id="{6D65AEDE-853B-4EDA-8DB3-440E238611A3}"/>
+              </a:ext>
+            </a:extLst>
+          </p:cNvPr>
+          <p:cNvSpPr>
+            <a:spLocks noGrp="1"/>
+          </p:cNvSpPr>
+          <p:nvPr>
+            <p:ph idx="1"/>
+          </p:nvPr>
+        </p:nvSpPr>
+        <p:spPr>
+          <a:xfrm>
+            <a:off x="838200" y="2063307"/>
+            <a:ext cx="5997315" cy="2731385"/>
+          </a:xfrm>
+        </p:spPr>
+        <p:txBody>
+          <a:bodyPr/>
+          <a:lstStyle/>
+          <a:p>
+            <a:r>
+              <a:rPr lang="pt-BR" dirty="0">
+                <a:solidFill>
+                  <a:schemeClr val="bg1"/>
+                </a:solidFill>
+              </a:rPr>
+              <a:t>Ubisoft</a:t>
+            </a:r>
+          </a:p>
+          <a:p>
+            <a:r>
+              <a:rPr lang="pt-BR" dirty="0">
+                <a:solidFill>
+                  <a:schemeClr val="bg1"/>
+                </a:solidFill>
+              </a:rPr>
+              <a:t>FPS (First Person Shooter)</a:t>
+            </a:r>
+          </a:p>
+          <a:p>
+            <a:r>
+              <a:rPr lang="pt-BR" dirty="0">
+                <a:solidFill>
+                  <a:schemeClr val="bg1"/>
+                </a:solidFill>
+              </a:rPr>
+              <a:t>Jogo quebrado no lançamento</a:t>
+            </a:r>
+          </a:p>
+          <a:p>
+            <a:r>
+              <a:rPr lang="pt-BR" dirty="0">
+                <a:solidFill>
+                  <a:schemeClr val="bg1"/>
+                </a:solidFill>
+              </a:rPr>
+              <a:t>A “cura” de Rainbow Six</a:t>
+            </a:r>
+          </a:p>
+          <a:p>
+            <a:r>
+              <a:rPr lang="pt-BR" dirty="0">
+                <a:solidFill>
+                  <a:schemeClr val="bg1"/>
+                </a:solidFill>
+              </a:rPr>
+              <a:t>2019 – 30 Milhões</a:t>
+            </a:r>
+          </a:p>
+        </p:txBody>
+      </p:sp>
+      <p:pic>
+        <p:nvPicPr>
+          <p:cNvPr id="9" name="Imagem 8" descr="Fundo preto com letras brancas&#10;&#10;Descrição gerada automaticamente">
+            <a:extLst>
+              <a:ext uri="{FF2B5EF4-FFF2-40B4-BE49-F238E27FC236}">
+                <a16:creationId xmlns:a16="http://schemas.microsoft.com/office/drawing/2014/main" id="{A6F04ECC-2E90-4790-9BEE-BC817F0B61F7}"/>
+              </a:ext>
+            </a:extLst>
+          </p:cNvPr>
+          <p:cNvPicPr>
+            <a:picLocks noChangeAspect="1"/>
+          </p:cNvPicPr>
+          <p:nvPr/>
+        </p:nvPicPr>
+        <p:blipFill>
+          <a:blip r:embed="rId2">
+            <a:extLst>
+              <a:ext uri="{BEBA8EAE-BF5A-486C-A8C5-ECC9F3942E4B}">
+                <a14:imgProps xmlns:a14="http://schemas.microsoft.com/office/drawing/2010/main">
+                  <a14:imgLayer r:embed="rId3">
+                    <a14:imgEffect>
+                      <a14:backgroundRemoval t="10000" b="90000" l="10000" r="90000">
+                        <a14:foregroundMark x1="48620" y1="62917" x2="49089" y2="62685"/>
+                        <a14:foregroundMark x1="49141" y1="62639" x2="49219" y2="51296"/>
+                      </a14:backgroundRemoval>
+                    </a14:imgEffect>
+                  </a14:imgLayer>
+                </a14:imgProps>
+              </a:ext>
+              <a:ext uri="{28A0092B-C50C-407E-A947-70E740481C1C}">
+                <a14:useLocalDpi xmlns:a14="http://schemas.microsoft.com/office/drawing/2010/main" val="0"/>
+              </a:ext>
+            </a:extLst>
+          </a:blip>
+          <a:stretch>
+            <a:fillRect/>
+          </a:stretch>
+        </p:blipFill>
+        <p:spPr>
+          <a:xfrm>
+            <a:off x="4966134" y="767006"/>
+            <a:ext cx="6235266" cy="3507337"/>
+          </a:xfrm>
+          <a:prstGeom prst="rect">
+            <a:avLst/>
+          </a:prstGeom>
+        </p:spPr>
+      </p:pic>
+      <p:pic>
+        <p:nvPicPr>
+          <p:cNvPr id="13" name="Imagem 12" descr="Fundo preto com letras brancas&#10;&#10;Descrição gerada automaticamente">
+            <a:extLst>
+              <a:ext uri="{FF2B5EF4-FFF2-40B4-BE49-F238E27FC236}">
+                <a16:creationId xmlns:a16="http://schemas.microsoft.com/office/drawing/2014/main" id="{7FA4A67F-C075-4327-BBFA-75B8CFC66428}"/>
+              </a:ext>
+            </a:extLst>
+          </p:cNvPr>
+          <p:cNvPicPr>
+            <a:picLocks noChangeAspect="1"/>
+          </p:cNvPicPr>
+          <p:nvPr/>
+        </p:nvPicPr>
+        <p:blipFill>
+          <a:blip r:embed="rId4">
+            <a:extLst>
+              <a:ext uri="{28A0092B-C50C-407E-A947-70E740481C1C}">
+                <a14:useLocalDpi xmlns:a14="http://schemas.microsoft.com/office/drawing/2010/main" val="0"/>
+              </a:ext>
+            </a:extLst>
+          </a:blip>
+          <a:stretch>
+            <a:fillRect/>
+          </a:stretch>
+        </p:blipFill>
+        <p:spPr>
+          <a:xfrm>
+            <a:off x="9126248" y="1483098"/>
+            <a:ext cx="2075152" cy="2075152"/>
+          </a:xfrm>
+          <a:prstGeom prst="rect">
+            <a:avLst/>
+          </a:prstGeom>
+        </p:spPr>
+      </p:pic>
+      <p:pic>
+        <p:nvPicPr>
+          <p:cNvPr id="15" name="Imagem 14" descr="Uma imagem contendo texto, gráfico, desenho, placar&#10;&#10;Descrição gerada automaticamente">
+            <a:extLst>
+              <a:ext uri="{FF2B5EF4-FFF2-40B4-BE49-F238E27FC236}">
+                <a16:creationId xmlns:a16="http://schemas.microsoft.com/office/drawing/2014/main" id="{8BFEBEFE-3C6E-4D43-89B4-0A0C1F43711B}"/>
+              </a:ext>
+            </a:extLst>
+          </p:cNvPr>
+          <p:cNvPicPr>
+            <a:picLocks noChangeAspect="1"/>
+          </p:cNvPicPr>
+          <p:nvPr/>
+        </p:nvPicPr>
+        <p:blipFill>
+          <a:blip r:embed="rId5">
+            <a:extLst>
+              <a:ext uri="{28A0092B-C50C-407E-A947-70E740481C1C}">
+                <a14:useLocalDpi xmlns:a14="http://schemas.microsoft.com/office/drawing/2010/main" val="0"/>
+              </a:ext>
+            </a:extLst>
+          </a:blip>
+          <a:stretch>
+            <a:fillRect/>
+          </a:stretch>
+        </p:blipFill>
+        <p:spPr>
+          <a:xfrm>
+            <a:off x="8083767" y="3593965"/>
+            <a:ext cx="1360754" cy="1360754"/>
+          </a:xfrm>
+          <a:prstGeom prst="rect">
+            <a:avLst/>
+          </a:prstGeom>
+        </p:spPr>
+      </p:pic>
+      <p:pic>
+        <p:nvPicPr>
+          <p:cNvPr id="17" name="Imagem 16" descr="Fundo preto com letras brancas&#10;&#10;Descrição gerada automaticamente">
+            <a:extLst>
+              <a:ext uri="{FF2B5EF4-FFF2-40B4-BE49-F238E27FC236}">
+                <a16:creationId xmlns:a16="http://schemas.microsoft.com/office/drawing/2014/main" id="{5982A404-C730-450A-B9F2-42E27FF44C08}"/>
+              </a:ext>
+            </a:extLst>
+          </p:cNvPr>
+          <p:cNvPicPr>
+            <a:picLocks noChangeAspect="1"/>
+          </p:cNvPicPr>
+          <p:nvPr/>
+        </p:nvPicPr>
+        <p:blipFill>
+          <a:blip r:embed="rId6">
+            <a:extLst>
+              <a:ext uri="{28A0092B-C50C-407E-A947-70E740481C1C}">
+                <a14:useLocalDpi xmlns:a14="http://schemas.microsoft.com/office/drawing/2010/main" val="0"/>
+              </a:ext>
+            </a:extLst>
+          </a:blip>
+          <a:stretch>
+            <a:fillRect/>
+          </a:stretch>
+        </p:blipFill>
+        <p:spPr>
+          <a:xfrm>
+            <a:off x="9639758" y="3918544"/>
+            <a:ext cx="1752295" cy="1752295"/>
+          </a:xfrm>
+          <a:prstGeom prst="rect">
+            <a:avLst/>
+          </a:prstGeom>
+        </p:spPr>
+      </p:pic>
+      <p:pic>
+        <p:nvPicPr>
+          <p:cNvPr id="19" name="Imagem 18" descr="Uma imagem contendo monitor, placar, computador, vermelho&#10;&#10;Descrição gerada automaticamente">
+            <a:extLst>
+              <a:ext uri="{FF2B5EF4-FFF2-40B4-BE49-F238E27FC236}">
+                <a16:creationId xmlns:a16="http://schemas.microsoft.com/office/drawing/2014/main" id="{88B0792A-FD81-4368-87F5-76E6C0386898}"/>
+              </a:ext>
+            </a:extLst>
+          </p:cNvPr>
+          <p:cNvPicPr>
+            <a:picLocks noChangeAspect="1"/>
+          </p:cNvPicPr>
+          <p:nvPr/>
+        </p:nvPicPr>
+        <p:blipFill>
+          <a:blip r:embed="rId7">
+            <a:extLst>
+              <a:ext uri="{28A0092B-C50C-407E-A947-70E740481C1C}">
+                <a14:useLocalDpi xmlns:a14="http://schemas.microsoft.com/office/drawing/2010/main" val="0"/>
+              </a:ext>
+            </a:extLst>
+          </a:blip>
+          <a:stretch>
+            <a:fillRect/>
+          </a:stretch>
+        </p:blipFill>
+        <p:spPr>
+          <a:xfrm>
+            <a:off x="6407672" y="4646962"/>
+            <a:ext cx="1752296" cy="1752296"/>
+          </a:xfrm>
+          <a:prstGeom prst="rect">
+            <a:avLst/>
+          </a:prstGeom>
+        </p:spPr>
+      </p:pic>
+      <p:pic>
+        <p:nvPicPr>
+          <p:cNvPr id="21" name="Imagem 20" descr="Uma imagem contendo edifício, no interior, circuito, bagagem&#10;&#10;Descrição gerada automaticamente">
+            <a:extLst>
+              <a:ext uri="{FF2B5EF4-FFF2-40B4-BE49-F238E27FC236}">
+                <a16:creationId xmlns:a16="http://schemas.microsoft.com/office/drawing/2014/main" id="{587035A4-BD42-401E-9BEF-8C170E653E3D}"/>
+              </a:ext>
+            </a:extLst>
+          </p:cNvPr>
+          <p:cNvPicPr>
+            <a:picLocks noChangeAspect="1"/>
+          </p:cNvPicPr>
+          <p:nvPr/>
+        </p:nvPicPr>
+        <p:blipFill>
+          <a:blip r:embed="rId8">
+            <a:extLst>
+              <a:ext uri="{28A0092B-C50C-407E-A947-70E740481C1C}">
+                <a14:useLocalDpi xmlns:a14="http://schemas.microsoft.com/office/drawing/2010/main" val="0"/>
+              </a:ext>
+            </a:extLst>
+          </a:blip>
+          <a:stretch>
+            <a:fillRect/>
+          </a:stretch>
+        </p:blipFill>
+        <p:spPr>
+          <a:xfrm>
+            <a:off x="5784329" y="1921606"/>
+            <a:ext cx="6235266" cy="3346259"/>
+          </a:xfrm>
+          <a:prstGeom prst="rect">
+            <a:avLst/>
+          </a:prstGeom>
+        </p:spPr>
+      </p:pic>
+    </p:spTree>
+    <p:extLst>
+      <p:ext uri="{BB962C8B-B14F-4D97-AF65-F5344CB8AC3E}">
+        <p14:creationId xmlns:p14="http://schemas.microsoft.com/office/powerpoint/2010/main" val="2340471676"/>
+      </p:ext>
+    </p:extLst>
+  </p:cSld>
+  <p:clrMapOvr>
+    <a:masterClrMapping/>
+  </p:clrMapOvr>
+  <p:transition spd="slow">
+    <p:wipe/>
+  </p:transition>
+  <p:timing>
+    <p:tnLst>
+      <p:par>
+        <p:cTn id="1" dur="indefinite" restart="never" nodeType="tmRoot">
+          <p:childTnLst>
+            <p:seq concurrent="1" nextAc="seek">
+              <p:cTn id="2" dur="indefinite" nodeType="mainSeq">
+                <p:childTnLst>
+                  <p:par>
+                    <p:cTn id="3" fill="hold">
+                      <p:stCondLst>
+                        <p:cond delay="indefinite"/>
+                      </p:stCondLst>
+                      <p:childTnLst>
+                        <p:par>
+                          <p:cTn id="4" fill="hold">
+                            <p:stCondLst>
+                              <p:cond delay="0"/>
+                            </p:stCondLst>
+                            <p:childTnLst>
+                              <p:par>
+                                <p:cTn id="5" presetID="22" presetClass="entr" presetSubtype="4" fill="hold" nodeType="clickEffect">
+                                  <p:stCondLst>
+                                    <p:cond delay="0"/>
+                                  </p:stCondLst>
+                                  <p:childTnLst>
+                                    <p:set>
+                                      <p:cBhvr>
+                                        <p:cTn id="6" dur="1" fill="hold">
+                                          <p:stCondLst>
+                                            <p:cond delay="0"/>
+                                          </p:stCondLst>
+                                        </p:cTn>
+                                        <p:tgtEl>
+                                          <p:spTgt spid="21"/>
+                                        </p:tgtEl>
+                                        <p:attrNameLst>
+                                          <p:attrName>style.visibility</p:attrName>
+                                        </p:attrNameLst>
+                                      </p:cBhvr>
+                                      <p:to>
+                                        <p:strVal val="visible"/>
+                                      </p:to>
+                                    </p:set>
+                                    <p:animEffect transition="in" filter="wipe(down)">
+                                      <p:cBhvr>
+                                        <p:cTn id="7" dur="500"/>
+                                        <p:tgtEl>
+                                          <p:spTgt spid="21"/>
+                                        </p:tgtEl>
+                                      </p:cBhvr>
+                                    </p:animEffect>
+                                  </p:childTnLst>
+                                </p:cTn>
+                              </p:par>
+                            </p:childTnLst>
+                          </p:cTn>
+                        </p:par>
+                      </p:childTnLst>
+                    </p:cTn>
+                  </p:par>
+                  <p:par>
+                    <p:cTn id="8" fill="hold">
+                      <p:stCondLst>
+                        <p:cond delay="indefinite"/>
+                      </p:stCondLst>
+                      <p:childTnLst>
+                        <p:par>
+                          <p:cTn id="9" fill="hold">
+                            <p:stCondLst>
+                              <p:cond delay="0"/>
+                            </p:stCondLst>
+                            <p:childTnLst>
+                              <p:par>
+                                <p:cTn id="10" presetID="42" presetClass="exit" presetSubtype="0" fill="hold" nodeType="clickEffect">
+                                  <p:stCondLst>
+                                    <p:cond delay="0"/>
+                                  </p:stCondLst>
+                                  <p:childTnLst>
+                                    <p:animEffect transition="out" filter="fade">
+                                      <p:cBhvr>
+                                        <p:cTn id="11" dur="1000"/>
+                                        <p:tgtEl>
+                                          <p:spTgt spid="21"/>
+                                        </p:tgtEl>
+                                      </p:cBhvr>
+                                    </p:animEffect>
+                                    <p:anim calcmode="lin" valueType="num">
+                                      <p:cBhvr>
+                                        <p:cTn id="12" dur="1000"/>
+                                        <p:tgtEl>
+                                          <p:spTgt spid="21"/>
+                                        </p:tgtEl>
+                                        <p:attrNameLst>
+                                          <p:attrName>ppt_x</p:attrName>
+                                        </p:attrNameLst>
+                                      </p:cBhvr>
+                                      <p:tavLst>
+                                        <p:tav tm="0">
+                                          <p:val>
+                                            <p:strVal val="ppt_x"/>
+                                          </p:val>
+                                        </p:tav>
+                                        <p:tav tm="100000">
+                                          <p:val>
+                                            <p:strVal val="ppt_x"/>
+                                          </p:val>
+                                        </p:tav>
+                                      </p:tavLst>
+                                    </p:anim>
+                                    <p:anim calcmode="lin" valueType="num">
+                                      <p:cBhvr>
+                                        <p:cTn id="13" dur="1000"/>
+                                        <p:tgtEl>
+                                          <p:spTgt spid="21"/>
+                                        </p:tgtEl>
+                                        <p:attrNameLst>
+                                          <p:attrName>ppt_y</p:attrName>
+                                        </p:attrNameLst>
+                                      </p:cBhvr>
+                                      <p:tavLst>
+                                        <p:tav tm="0">
+                                          <p:val>
+                                            <p:strVal val="ppt_y"/>
+                                          </p:val>
+                                        </p:tav>
+                                        <p:tav tm="100000">
+                                          <p:val>
+                                            <p:strVal val="ppt_y+.1"/>
+                                          </p:val>
+                                        </p:tav>
+                                      </p:tavLst>
+                                    </p:anim>
+                                    <p:set>
+                                      <p:cBhvr>
+                                        <p:cTn id="14" dur="1" fill="hold">
+                                          <p:stCondLst>
+                                            <p:cond delay="999"/>
+                                          </p:stCondLst>
+                                        </p:cTn>
+                                        <p:tgtEl>
+                                          <p:spTgt spid="21"/>
+                                        </p:tgtEl>
+                                        <p:attrNameLst>
+                                          <p:attrName>style.visibility</p:attrName>
+                                        </p:attrNameLst>
+                                      </p:cBhvr>
+                                      <p:to>
+                                        <p:strVal val="hidden"/>
+                                      </p:to>
+                                    </p:set>
+                                  </p:childTnLst>
+                                </p:cTn>
+                              </p:par>
+                            </p:childTnLst>
+                          </p:cTn>
+                        </p:par>
+                        <p:par>
+                          <p:cTn id="15" fill="hold">
+                            <p:stCondLst>
+                              <p:cond delay="1000"/>
+                            </p:stCondLst>
+                            <p:childTnLst>
+                              <p:par>
+                                <p:cTn id="16" presetID="22" presetClass="entr" presetSubtype="4" fill="hold" nodeType="afterEffect">
+                                  <p:stCondLst>
+                                    <p:cond delay="0"/>
+                                  </p:stCondLst>
+                                  <p:childTnLst>
+                                    <p:set>
+                                      <p:cBhvr>
+                                        <p:cTn id="17" dur="1" fill="hold">
+                                          <p:stCondLst>
+                                            <p:cond delay="0"/>
+                                          </p:stCondLst>
+                                        </p:cTn>
+                                        <p:tgtEl>
+                                          <p:spTgt spid="9"/>
+                                        </p:tgtEl>
+                                        <p:attrNameLst>
+                                          <p:attrName>style.visibility</p:attrName>
+                                        </p:attrNameLst>
+                                      </p:cBhvr>
+                                      <p:to>
+                                        <p:strVal val="visible"/>
+                                      </p:to>
+                                    </p:set>
+                                    <p:animEffect transition="in" filter="wipe(down)">
+                                      <p:cBhvr>
+                                        <p:cTn id="18" dur="750"/>
+                                        <p:tgtEl>
+                                          <p:spTgt spid="9"/>
+                                        </p:tgtEl>
+                                      </p:cBhvr>
+                                    </p:animEffect>
+                                  </p:childTnLst>
+                                </p:cTn>
+                              </p:par>
+                            </p:childTnLst>
+                          </p:cTn>
+                        </p:par>
+                        <p:par>
+                          <p:cTn id="19" fill="hold">
+                            <p:stCondLst>
+                              <p:cond delay="1750"/>
+                            </p:stCondLst>
+                            <p:childTnLst>
+                              <p:par>
+                                <p:cTn id="20" presetID="42" presetClass="entr" presetSubtype="0" fill="hold" grpId="0" nodeType="afterEffect">
+                                  <p:stCondLst>
+                                    <p:cond delay="0"/>
+                                  </p:stCondLst>
+                                  <p:childTnLst>
+                                    <p:set>
+                                      <p:cBhvr>
+                                        <p:cTn id="21" dur="1" fill="hold">
+                                          <p:stCondLst>
+                                            <p:cond delay="0"/>
+                                          </p:stCondLst>
+                                        </p:cTn>
+                                        <p:tgtEl>
+                                          <p:spTgt spid="6">
+                                            <p:txEl>
+                                              <p:pRg st="0" end="0"/>
+                                            </p:txEl>
+                                          </p:spTgt>
+                                        </p:tgtEl>
+                                        <p:attrNameLst>
+                                          <p:attrName>style.visibility</p:attrName>
+                                        </p:attrNameLst>
+                                      </p:cBhvr>
+                                      <p:to>
+                                        <p:strVal val="visible"/>
+                                      </p:to>
+                                    </p:set>
+                                    <p:animEffect transition="in" filter="fade">
+                                      <p:cBhvr>
+                                        <p:cTn id="22" dur="1000"/>
+                                        <p:tgtEl>
+                                          <p:spTgt spid="6">
+                                            <p:txEl>
+                                              <p:pRg st="0" end="0"/>
+                                            </p:txEl>
+                                          </p:spTgt>
+                                        </p:tgtEl>
+                                      </p:cBhvr>
+                                    </p:animEffect>
+                                    <p:anim calcmode="lin" valueType="num">
+                                      <p:cBhvr>
+                                        <p:cTn id="23" dur="1000" fill="hold"/>
+                                        <p:tgtEl>
+                                          <p:spTgt spid="6">
+                                            <p:txEl>
+                                              <p:pRg st="0" end="0"/>
+                                            </p:txEl>
+                                          </p:spTgt>
+                                        </p:tgtEl>
+                                        <p:attrNameLst>
+                                          <p:attrName>ppt_x</p:attrName>
+                                        </p:attrNameLst>
+                                      </p:cBhvr>
+                                      <p:tavLst>
+                                        <p:tav tm="0">
+                                          <p:val>
+                                            <p:strVal val="#ppt_x"/>
+                                          </p:val>
+                                        </p:tav>
+                                        <p:tav tm="100000">
+                                          <p:val>
+                                            <p:strVal val="#ppt_x"/>
+                                          </p:val>
+                                        </p:tav>
+                                      </p:tavLst>
+                                    </p:anim>
+                                    <p:anim calcmode="lin" valueType="num">
+                                      <p:cBhvr>
+                                        <p:cTn id="24" dur="1000" fill="hold"/>
+                                        <p:tgtEl>
+                                          <p:spTgt spid="6">
+                                            <p:txEl>
+                                              <p:pRg st="0" end="0"/>
+                                            </p:txEl>
+                                          </p:spTgt>
+                                        </p:tgtEl>
+                                        <p:attrNameLst>
+                                          <p:attrName>ppt_y</p:attrName>
+                                        </p:attrNameLst>
+                                      </p:cBhvr>
+                                      <p:tavLst>
+                                        <p:tav tm="0">
+                                          <p:val>
+                                            <p:strVal val="#ppt_y+.1"/>
+                                          </p:val>
+                                        </p:tav>
+                                        <p:tav tm="100000">
+                                          <p:val>
+                                            <p:strVal val="#ppt_y"/>
+                                          </p:val>
+                                        </p:tav>
+                                      </p:tavLst>
+                                    </p:anim>
+                                  </p:childTnLst>
+                                </p:cTn>
+                              </p:par>
+                            </p:childTnLst>
+                          </p:cTn>
+                        </p:par>
+                        <p:par>
+                          <p:cTn id="25" fill="hold">
+                            <p:stCondLst>
+                              <p:cond delay="2750"/>
+                            </p:stCondLst>
+                            <p:childTnLst>
+                              <p:par>
+                                <p:cTn id="26" presetID="53" presetClass="entr" presetSubtype="16" fill="hold" nodeType="afterEffect">
+                                  <p:stCondLst>
+                                    <p:cond delay="0"/>
+                                  </p:stCondLst>
+                                  <p:childTnLst>
+                                    <p:set>
+                                      <p:cBhvr>
+                                        <p:cTn id="27" dur="1" fill="hold">
+                                          <p:stCondLst>
+                                            <p:cond delay="0"/>
+                                          </p:stCondLst>
+                                        </p:cTn>
+                                        <p:tgtEl>
+                                          <p:spTgt spid="13"/>
+                                        </p:tgtEl>
+                                        <p:attrNameLst>
+                                          <p:attrName>style.visibility</p:attrName>
+                                        </p:attrNameLst>
+                                      </p:cBhvr>
+                                      <p:to>
+                                        <p:strVal val="visible"/>
+                                      </p:to>
+                                    </p:set>
+                                    <p:anim calcmode="lin" valueType="num">
+                                      <p:cBhvr>
+                                        <p:cTn id="28" dur="750" fill="hold"/>
+                                        <p:tgtEl>
+                                          <p:spTgt spid="13"/>
+                                        </p:tgtEl>
+                                        <p:attrNameLst>
+                                          <p:attrName>ppt_w</p:attrName>
+                                        </p:attrNameLst>
+                                      </p:cBhvr>
+                                      <p:tavLst>
+                                        <p:tav tm="0">
+                                          <p:val>
+                                            <p:fltVal val="0"/>
+                                          </p:val>
+                                        </p:tav>
+                                        <p:tav tm="100000">
+                                          <p:val>
+                                            <p:strVal val="#ppt_w"/>
+                                          </p:val>
+                                        </p:tav>
+                                      </p:tavLst>
+                                    </p:anim>
+                                    <p:anim calcmode="lin" valueType="num">
+                                      <p:cBhvr>
+                                        <p:cTn id="29" dur="750" fill="hold"/>
+                                        <p:tgtEl>
+                                          <p:spTgt spid="13"/>
+                                        </p:tgtEl>
+                                        <p:attrNameLst>
+                                          <p:attrName>ppt_h</p:attrName>
+                                        </p:attrNameLst>
+                                      </p:cBhvr>
+                                      <p:tavLst>
+                                        <p:tav tm="0">
+                                          <p:val>
+                                            <p:fltVal val="0"/>
+                                          </p:val>
+                                        </p:tav>
+                                        <p:tav tm="100000">
+                                          <p:val>
+                                            <p:strVal val="#ppt_h"/>
+                                          </p:val>
+                                        </p:tav>
+                                      </p:tavLst>
+                                    </p:anim>
+                                    <p:animEffect transition="in" filter="fade">
+                                      <p:cBhvr>
+                                        <p:cTn id="30" dur="750"/>
+                                        <p:tgtEl>
+                                          <p:spTgt spid="13"/>
+                                        </p:tgtEl>
+                                      </p:cBhvr>
+                                    </p:animEffect>
+                                  </p:childTnLst>
+                                </p:cTn>
+                              </p:par>
+                            </p:childTnLst>
+                          </p:cTn>
+                        </p:par>
+                        <p:par>
+                          <p:cTn id="31" fill="hold">
+                            <p:stCondLst>
+                              <p:cond delay="3500"/>
+                            </p:stCondLst>
+                            <p:childTnLst>
+                              <p:par>
+                                <p:cTn id="32" presetID="42" presetClass="entr" presetSubtype="0" fill="hold" grpId="0" nodeType="afterEffect">
+                                  <p:stCondLst>
+                                    <p:cond delay="0"/>
+                                  </p:stCondLst>
+                                  <p:childTnLst>
+                                    <p:set>
+                                      <p:cBhvr>
+                                        <p:cTn id="33" dur="1" fill="hold">
+                                          <p:stCondLst>
+                                            <p:cond delay="0"/>
+                                          </p:stCondLst>
+                                        </p:cTn>
+                                        <p:tgtEl>
+                                          <p:spTgt spid="6">
+                                            <p:txEl>
+                                              <p:pRg st="1" end="1"/>
+                                            </p:txEl>
+                                          </p:spTgt>
+                                        </p:tgtEl>
+                                        <p:attrNameLst>
+                                          <p:attrName>style.visibility</p:attrName>
+                                        </p:attrNameLst>
+                                      </p:cBhvr>
+                                      <p:to>
+                                        <p:strVal val="visible"/>
+                                      </p:to>
+                                    </p:set>
+                                    <p:animEffect transition="in" filter="fade">
+                                      <p:cBhvr>
+                                        <p:cTn id="34" dur="1000"/>
+                                        <p:tgtEl>
+                                          <p:spTgt spid="6">
+                                            <p:txEl>
+                                              <p:pRg st="1" end="1"/>
+                                            </p:txEl>
+                                          </p:spTgt>
+                                        </p:tgtEl>
+                                      </p:cBhvr>
+                                    </p:animEffect>
+                                    <p:anim calcmode="lin" valueType="num">
+                                      <p:cBhvr>
+                                        <p:cTn id="35" dur="1000" fill="hold"/>
+                                        <p:tgtEl>
+                                          <p:spTgt spid="6">
+                                            <p:txEl>
+                                              <p:pRg st="1" end="1"/>
+                                            </p:txEl>
+                                          </p:spTgt>
+                                        </p:tgtEl>
+                                        <p:attrNameLst>
+                                          <p:attrName>ppt_x</p:attrName>
+                                        </p:attrNameLst>
+                                      </p:cBhvr>
+                                      <p:tavLst>
+                                        <p:tav tm="0">
+                                          <p:val>
+                                            <p:strVal val="#ppt_x"/>
+                                          </p:val>
+                                        </p:tav>
+                                        <p:tav tm="100000">
+                                          <p:val>
+                                            <p:strVal val="#ppt_x"/>
+                                          </p:val>
+                                        </p:tav>
+                                      </p:tavLst>
+                                    </p:anim>
+                                    <p:anim calcmode="lin" valueType="num">
+                                      <p:cBhvr>
+                                        <p:cTn id="36" dur="1000" fill="hold"/>
+                                        <p:tgtEl>
+                                          <p:spTgt spid="6">
+                                            <p:txEl>
+                                              <p:pRg st="1" end="1"/>
+                                            </p:txEl>
+                                          </p:spTgt>
+                                        </p:tgtEl>
+                                        <p:attrNameLst>
+                                          <p:attrName>ppt_y</p:attrName>
+                                        </p:attrNameLst>
+                                      </p:cBhvr>
+                                      <p:tavLst>
+                                        <p:tav tm="0">
+                                          <p:val>
+                                            <p:strVal val="#ppt_y+.1"/>
+                                          </p:val>
+                                        </p:tav>
+                                        <p:tav tm="100000">
+                                          <p:val>
+                                            <p:strVal val="#ppt_y"/>
+                                          </p:val>
+                                        </p:tav>
+                                      </p:tavLst>
+                                    </p:anim>
+                                  </p:childTnLst>
+                                </p:cTn>
+                              </p:par>
+                            </p:childTnLst>
+                          </p:cTn>
+                        </p:par>
+                        <p:par>
+                          <p:cTn id="37" fill="hold">
+                            <p:stCondLst>
+                              <p:cond delay="4500"/>
+                            </p:stCondLst>
+                            <p:childTnLst>
+                              <p:par>
+                                <p:cTn id="38" presetID="31" presetClass="entr" presetSubtype="0" fill="hold" nodeType="afterEffect">
+                                  <p:stCondLst>
+                                    <p:cond delay="0"/>
+                                  </p:stCondLst>
+                                  <p:childTnLst>
+                                    <p:set>
+                                      <p:cBhvr>
+                                        <p:cTn id="39" dur="1" fill="hold">
+                                          <p:stCondLst>
+                                            <p:cond delay="0"/>
+                                          </p:stCondLst>
+                                        </p:cTn>
+                                        <p:tgtEl>
+                                          <p:spTgt spid="15"/>
+                                        </p:tgtEl>
+                                        <p:attrNameLst>
+                                          <p:attrName>style.visibility</p:attrName>
+                                        </p:attrNameLst>
+                                      </p:cBhvr>
+                                      <p:to>
+                                        <p:strVal val="visible"/>
+                                      </p:to>
+                                    </p:set>
+                                    <p:anim calcmode="lin" valueType="num">
+                                      <p:cBhvr>
+                                        <p:cTn id="40" dur="1000" fill="hold"/>
+                                        <p:tgtEl>
+                                          <p:spTgt spid="15"/>
+                                        </p:tgtEl>
+                                        <p:attrNameLst>
+                                          <p:attrName>ppt_w</p:attrName>
+                                        </p:attrNameLst>
+                                      </p:cBhvr>
+                                      <p:tavLst>
+                                        <p:tav tm="0">
+                                          <p:val>
+                                            <p:fltVal val="0"/>
+                                          </p:val>
+                                        </p:tav>
+                                        <p:tav tm="100000">
+                                          <p:val>
+                                            <p:strVal val="#ppt_w"/>
+                                          </p:val>
+                                        </p:tav>
+                                      </p:tavLst>
+                                    </p:anim>
+                                    <p:anim calcmode="lin" valueType="num">
+                                      <p:cBhvr>
+                                        <p:cTn id="41" dur="1000" fill="hold"/>
+                                        <p:tgtEl>
+                                          <p:spTgt spid="15"/>
+                                        </p:tgtEl>
+                                        <p:attrNameLst>
+                                          <p:attrName>ppt_h</p:attrName>
+                                        </p:attrNameLst>
+                                      </p:cBhvr>
+                                      <p:tavLst>
+                                        <p:tav tm="0">
+                                          <p:val>
+                                            <p:fltVal val="0"/>
+                                          </p:val>
+                                        </p:tav>
+                                        <p:tav tm="100000">
+                                          <p:val>
+                                            <p:strVal val="#ppt_h"/>
+                                          </p:val>
+                                        </p:tav>
+                                      </p:tavLst>
+                                    </p:anim>
+                                    <p:anim calcmode="lin" valueType="num">
+                                      <p:cBhvr>
+                                        <p:cTn id="42" dur="1000" fill="hold"/>
+                                        <p:tgtEl>
+                                          <p:spTgt spid="15"/>
+                                        </p:tgtEl>
+                                        <p:attrNameLst>
+                                          <p:attrName>style.rotation</p:attrName>
+                                        </p:attrNameLst>
+                                      </p:cBhvr>
+                                      <p:tavLst>
+                                        <p:tav tm="0">
+                                          <p:val>
+                                            <p:fltVal val="90"/>
+                                          </p:val>
+                                        </p:tav>
+                                        <p:tav tm="100000">
+                                          <p:val>
+                                            <p:fltVal val="0"/>
+                                          </p:val>
+                                        </p:tav>
+                                      </p:tavLst>
+                                    </p:anim>
+                                    <p:animEffect transition="in" filter="fade">
+                                      <p:cBhvr>
+                                        <p:cTn id="43" dur="1000"/>
+                                        <p:tgtEl>
+                                          <p:spTgt spid="15"/>
+                                        </p:tgtEl>
+                                      </p:cBhvr>
+                                    </p:animEffect>
+                                  </p:childTnLst>
+                                </p:cTn>
+                              </p:par>
+                            </p:childTnLst>
+                          </p:cTn>
+                        </p:par>
+                        <p:par>
+                          <p:cTn id="44" fill="hold">
+                            <p:stCondLst>
+                              <p:cond delay="5500"/>
+                            </p:stCondLst>
+                            <p:childTnLst>
+                              <p:par>
+                                <p:cTn id="45" presetID="42" presetClass="entr" presetSubtype="0" fill="hold" grpId="0" nodeType="afterEffect">
+                                  <p:stCondLst>
+                                    <p:cond delay="0"/>
+                                  </p:stCondLst>
+                                  <p:childTnLst>
+                                    <p:set>
+                                      <p:cBhvr>
+                                        <p:cTn id="46" dur="1" fill="hold">
+                                          <p:stCondLst>
+                                            <p:cond delay="0"/>
+                                          </p:stCondLst>
+                                        </p:cTn>
+                                        <p:tgtEl>
+                                          <p:spTgt spid="6">
+                                            <p:txEl>
+                                              <p:pRg st="2" end="2"/>
+                                            </p:txEl>
+                                          </p:spTgt>
+                                        </p:tgtEl>
+                                        <p:attrNameLst>
+                                          <p:attrName>style.visibility</p:attrName>
+                                        </p:attrNameLst>
+                                      </p:cBhvr>
+                                      <p:to>
+                                        <p:strVal val="visible"/>
+                                      </p:to>
+                                    </p:set>
+                                    <p:animEffect transition="in" filter="fade">
+                                      <p:cBhvr>
+                                        <p:cTn id="47" dur="1000"/>
+                                        <p:tgtEl>
+                                          <p:spTgt spid="6">
+                                            <p:txEl>
+                                              <p:pRg st="2" end="2"/>
+                                            </p:txEl>
+                                          </p:spTgt>
+                                        </p:tgtEl>
+                                      </p:cBhvr>
+                                    </p:animEffect>
+                                    <p:anim calcmode="lin" valueType="num">
+                                      <p:cBhvr>
+                                        <p:cTn id="48" dur="1000" fill="hold"/>
+                                        <p:tgtEl>
+                                          <p:spTgt spid="6">
+                                            <p:txEl>
+                                              <p:pRg st="2" end="2"/>
+                                            </p:txEl>
+                                          </p:spTgt>
+                                        </p:tgtEl>
+                                        <p:attrNameLst>
+                                          <p:attrName>ppt_x</p:attrName>
+                                        </p:attrNameLst>
+                                      </p:cBhvr>
+                                      <p:tavLst>
+                                        <p:tav tm="0">
+                                          <p:val>
+                                            <p:strVal val="#ppt_x"/>
+                                          </p:val>
+                                        </p:tav>
+                                        <p:tav tm="100000">
+                                          <p:val>
+                                            <p:strVal val="#ppt_x"/>
+                                          </p:val>
+                                        </p:tav>
+                                      </p:tavLst>
+                                    </p:anim>
+                                    <p:anim calcmode="lin" valueType="num">
+                                      <p:cBhvr>
+                                        <p:cTn id="49" dur="1000" fill="hold"/>
+                                        <p:tgtEl>
+                                          <p:spTgt spid="6">
+                                            <p:txEl>
+                                              <p:pRg st="2" end="2"/>
+                                            </p:txEl>
+                                          </p:spTgt>
+                                        </p:tgtEl>
+                                        <p:attrNameLst>
+                                          <p:attrName>ppt_y</p:attrName>
+                                        </p:attrNameLst>
+                                      </p:cBhvr>
+                                      <p:tavLst>
+                                        <p:tav tm="0">
+                                          <p:val>
+                                            <p:strVal val="#ppt_y+.1"/>
+                                          </p:val>
+                                        </p:tav>
+                                        <p:tav tm="100000">
+                                          <p:val>
+                                            <p:strVal val="#ppt_y"/>
+                                          </p:val>
+                                        </p:tav>
+                                      </p:tavLst>
+                                    </p:anim>
+                                  </p:childTnLst>
+                                </p:cTn>
+                              </p:par>
+                            </p:childTnLst>
+                          </p:cTn>
+                        </p:par>
+                        <p:par>
+                          <p:cTn id="50" fill="hold">
+                            <p:stCondLst>
+                              <p:cond delay="6500"/>
+                            </p:stCondLst>
+                            <p:childTnLst>
+                              <p:par>
+                                <p:cTn id="51" presetID="14" presetClass="entr" presetSubtype="10" fill="hold" nodeType="afterEffect">
+                                  <p:stCondLst>
+                                    <p:cond delay="0"/>
+                                  </p:stCondLst>
+                                  <p:childTnLst>
+                                    <p:set>
+                                      <p:cBhvr>
+                                        <p:cTn id="52" dur="1" fill="hold">
+                                          <p:stCondLst>
+                                            <p:cond delay="0"/>
+                                          </p:stCondLst>
+                                        </p:cTn>
+                                        <p:tgtEl>
+                                          <p:spTgt spid="17"/>
+                                        </p:tgtEl>
+                                        <p:attrNameLst>
+                                          <p:attrName>style.visibility</p:attrName>
+                                        </p:attrNameLst>
+                                      </p:cBhvr>
+                                      <p:to>
+                                        <p:strVal val="visible"/>
+                                      </p:to>
+                                    </p:set>
+                                    <p:animEffect transition="in" filter="randombar(horizontal)">
+                                      <p:cBhvr>
+                                        <p:cTn id="53" dur="500"/>
+                                        <p:tgtEl>
+                                          <p:spTgt spid="17"/>
+                                        </p:tgtEl>
+                                      </p:cBhvr>
+                                    </p:animEffect>
+                                  </p:childTnLst>
+                                </p:cTn>
+                              </p:par>
+                            </p:childTnLst>
+                          </p:cTn>
+                        </p:par>
+                        <p:par>
+                          <p:cTn id="54" fill="hold">
+                            <p:stCondLst>
+                              <p:cond delay="7000"/>
+                            </p:stCondLst>
+                            <p:childTnLst>
+                              <p:par>
+                                <p:cTn id="55" presetID="42" presetClass="entr" presetSubtype="0" fill="hold" grpId="0" nodeType="afterEffect">
+                                  <p:stCondLst>
+                                    <p:cond delay="0"/>
+                                  </p:stCondLst>
+                                  <p:childTnLst>
+                                    <p:set>
+                                      <p:cBhvr>
+                                        <p:cTn id="56" dur="1" fill="hold">
+                                          <p:stCondLst>
+                                            <p:cond delay="0"/>
+                                          </p:stCondLst>
+                                        </p:cTn>
+                                        <p:tgtEl>
+                                          <p:spTgt spid="6">
+                                            <p:txEl>
+                                              <p:pRg st="3" end="3"/>
+                                            </p:txEl>
+                                          </p:spTgt>
+                                        </p:tgtEl>
+                                        <p:attrNameLst>
+                                          <p:attrName>style.visibility</p:attrName>
+                                        </p:attrNameLst>
+                                      </p:cBhvr>
+                                      <p:to>
+                                        <p:strVal val="visible"/>
+                                      </p:to>
+                                    </p:set>
+                                    <p:animEffect transition="in" filter="fade">
+                                      <p:cBhvr>
+                                        <p:cTn id="57" dur="1000"/>
+                                        <p:tgtEl>
+                                          <p:spTgt spid="6">
+                                            <p:txEl>
+                                              <p:pRg st="3" end="3"/>
+                                            </p:txEl>
+                                          </p:spTgt>
+                                        </p:tgtEl>
+                                      </p:cBhvr>
+                                    </p:animEffect>
+                                    <p:anim calcmode="lin" valueType="num">
+                                      <p:cBhvr>
+                                        <p:cTn id="58" dur="1000" fill="hold"/>
+                                        <p:tgtEl>
+                                          <p:spTgt spid="6">
+                                            <p:txEl>
+                                              <p:pRg st="3" end="3"/>
+                                            </p:txEl>
+                                          </p:spTgt>
+                                        </p:tgtEl>
+                                        <p:attrNameLst>
+                                          <p:attrName>ppt_x</p:attrName>
+                                        </p:attrNameLst>
+                                      </p:cBhvr>
+                                      <p:tavLst>
+                                        <p:tav tm="0">
+                                          <p:val>
+                                            <p:strVal val="#ppt_x"/>
+                                          </p:val>
+                                        </p:tav>
+                                        <p:tav tm="100000">
+                                          <p:val>
+                                            <p:strVal val="#ppt_x"/>
+                                          </p:val>
+                                        </p:tav>
+                                      </p:tavLst>
+                                    </p:anim>
+                                    <p:anim calcmode="lin" valueType="num">
+                                      <p:cBhvr>
+                                        <p:cTn id="59" dur="1000" fill="hold"/>
+                                        <p:tgtEl>
+                                          <p:spTgt spid="6">
+                                            <p:txEl>
+                                              <p:pRg st="3" end="3"/>
+                                            </p:txEl>
+                                          </p:spTgt>
+                                        </p:tgtEl>
+                                        <p:attrNameLst>
+                                          <p:attrName>ppt_y</p:attrName>
+                                        </p:attrNameLst>
+                                      </p:cBhvr>
+                                      <p:tavLst>
+                                        <p:tav tm="0">
+                                          <p:val>
+                                            <p:strVal val="#ppt_y+.1"/>
+                                          </p:val>
+                                        </p:tav>
+                                        <p:tav tm="100000">
+                                          <p:val>
+                                            <p:strVal val="#ppt_y"/>
+                                          </p:val>
+                                        </p:tav>
+                                      </p:tavLst>
+                                    </p:anim>
+                                  </p:childTnLst>
+                                </p:cTn>
+                              </p:par>
+                            </p:childTnLst>
+                          </p:cTn>
+                        </p:par>
+                        <p:par>
+                          <p:cTn id="60" fill="hold">
+                            <p:stCondLst>
+                              <p:cond delay="8000"/>
+                            </p:stCondLst>
+                            <p:childTnLst>
+                              <p:par>
+                                <p:cTn id="61" presetID="6" presetClass="entr" presetSubtype="16" fill="hold" nodeType="afterEffect">
+                                  <p:stCondLst>
+                                    <p:cond delay="0"/>
+                                  </p:stCondLst>
+                                  <p:childTnLst>
+                                    <p:set>
+                                      <p:cBhvr>
+                                        <p:cTn id="62" dur="1" fill="hold">
+                                          <p:stCondLst>
+                                            <p:cond delay="0"/>
+                                          </p:stCondLst>
+                                        </p:cTn>
+                                        <p:tgtEl>
+                                          <p:spTgt spid="19"/>
+                                        </p:tgtEl>
+                                        <p:attrNameLst>
+                                          <p:attrName>style.visibility</p:attrName>
+                                        </p:attrNameLst>
+                                      </p:cBhvr>
+                                      <p:to>
+                                        <p:strVal val="visible"/>
+                                      </p:to>
+                                    </p:set>
+                                    <p:animEffect transition="in" filter="circle(in)">
+                                      <p:cBhvr>
+                                        <p:cTn id="63" dur="1000"/>
+                                        <p:tgtEl>
+                                          <p:spTgt spid="19"/>
+                                        </p:tgtEl>
+                                      </p:cBhvr>
+                                    </p:animEffect>
+                                  </p:childTnLst>
+                                </p:cTn>
+                              </p:par>
+                            </p:childTnLst>
+                          </p:cTn>
+                        </p:par>
+                        <p:par>
+                          <p:cTn id="64" fill="hold">
+                            <p:stCondLst>
+                              <p:cond delay="9000"/>
+                            </p:stCondLst>
+                            <p:childTnLst>
+                              <p:par>
+                                <p:cTn id="65" presetID="42" presetClass="entr" presetSubtype="0" fill="hold" grpId="0" nodeType="afterEffect">
+                                  <p:stCondLst>
+                                    <p:cond delay="0"/>
+                                  </p:stCondLst>
+                                  <p:childTnLst>
+                                    <p:set>
+                                      <p:cBhvr>
+                                        <p:cTn id="66" dur="1" fill="hold">
+                                          <p:stCondLst>
+                                            <p:cond delay="0"/>
+                                          </p:stCondLst>
+                                        </p:cTn>
+                                        <p:tgtEl>
+                                          <p:spTgt spid="6">
+                                            <p:txEl>
+                                              <p:pRg st="4" end="4"/>
+                                            </p:txEl>
+                                          </p:spTgt>
+                                        </p:tgtEl>
+                                        <p:attrNameLst>
+                                          <p:attrName>style.visibility</p:attrName>
+                                        </p:attrNameLst>
+                                      </p:cBhvr>
+                                      <p:to>
+                                        <p:strVal val="visible"/>
+                                      </p:to>
+                                    </p:set>
+                                    <p:animEffect transition="in" filter="fade">
+                                      <p:cBhvr>
+                                        <p:cTn id="67" dur="1000"/>
+                                        <p:tgtEl>
+                                          <p:spTgt spid="6">
+                                            <p:txEl>
+                                              <p:pRg st="4" end="4"/>
+                                            </p:txEl>
+                                          </p:spTgt>
+                                        </p:tgtEl>
+                                      </p:cBhvr>
+                                    </p:animEffect>
+                                    <p:anim calcmode="lin" valueType="num">
+                                      <p:cBhvr>
+                                        <p:cTn id="68" dur="1000" fill="hold"/>
+                                        <p:tgtEl>
+                                          <p:spTgt spid="6">
+                                            <p:txEl>
+                                              <p:pRg st="4" end="4"/>
+                                            </p:txEl>
+                                          </p:spTgt>
+                                        </p:tgtEl>
+                                        <p:attrNameLst>
+                                          <p:attrName>ppt_x</p:attrName>
+                                        </p:attrNameLst>
+                                      </p:cBhvr>
+                                      <p:tavLst>
+                                        <p:tav tm="0">
+                                          <p:val>
+                                            <p:strVal val="#ppt_x"/>
+                                          </p:val>
+                                        </p:tav>
+                                        <p:tav tm="100000">
+                                          <p:val>
+                                            <p:strVal val="#ppt_x"/>
+                                          </p:val>
+                                        </p:tav>
+                                      </p:tavLst>
+                                    </p:anim>
+                                    <p:anim calcmode="lin" valueType="num">
+                                      <p:cBhvr>
+                                        <p:cTn id="69" dur="1000" fill="hold"/>
+                                        <p:tgtEl>
+                                          <p:spTgt spid="6">
+                                            <p:txEl>
+                                              <p:pRg st="4" end="4"/>
+                                            </p:txEl>
+                                          </p:spTgt>
+                                        </p:tgtEl>
+                                        <p:attrNameLst>
+                                          <p:attrName>ppt_y</p:attrName>
+                                        </p:attrNameLst>
+                                      </p:cBhvr>
+                                      <p:tavLst>
+                                        <p:tav tm="0">
+                                          <p:val>
+                                            <p:strVal val="#ppt_y+.1"/>
+                                          </p:val>
+                                        </p:tav>
+                                        <p:tav tm="100000">
+                                          <p:val>
+                                            <p:strVal val="#ppt_y"/>
+                                          </p:val>
+                                        </p:tav>
+                                      </p:tavLst>
+                                    </p:anim>
+                                  </p:childTnLst>
+                                </p:cTn>
+                              </p:par>
+                            </p:childTnLst>
+                          </p:cTn>
+                        </p:par>
+                      </p:childTnLst>
+                    </p:cTn>
+                  </p:par>
+                </p:childTnLst>
+              </p:cTn>
+              <p:prevCondLst>
+                <p:cond evt="onPrev" delay="0">
+                  <p:tgtEl>
+                    <p:sldTgt/>
+                  </p:tgtEl>
+                </p:cond>
+              </p:prevCondLst>
+              <p:nextCondLst>
+                <p:cond evt="onNext" delay="0">
+                  <p:tgtEl>
+                    <p:sldTgt/>
+                  </p:tgtEl>
+                </p:cond>
+              </p:nextCondLst>
+            </p:seq>
+          </p:childTnLst>
+        </p:cTn>
+      </p:par>
+    </p:tnLst>
+    <p:bldLst>
+      <p:bldP spid="6" grpId="0" uiExpand="1" build="p"/>
+    </p:bldLst>
+  </p:timing>
+</p:sld>
+</file>
+
+<file path=ppt/slides/slide3.xml><?xml version="1.0" encoding="utf-8"?>
+<p:sld xmlns:a="http://schemas.openxmlformats.org/drawingml/2006/main" xmlns:r="http://schemas.openxmlformats.org/officeDocument/2006/relationships" xmlns:p="http://schemas.openxmlformats.org/presentationml/2006/main">
+  <p:cSld>
+    <p:spTree>
+      <p:nvGrpSpPr>
+        <p:cNvPr id="1" name=""/>
+        <p:cNvGrpSpPr/>
+        <p:nvPr/>
+      </p:nvGrpSpPr>
+      <p:grpSpPr>
+        <a:xfrm>
+          <a:off x="0" y="0"/>
+          <a:ext cx="0" cy="0"/>
+          <a:chOff x="0" y="0"/>
+          <a:chExt cx="0" cy="0"/>
+        </a:xfrm>
+      </p:grpSpPr>
+      <p:sp>
+        <p:nvSpPr>
+          <p:cNvPr id="5" name="Retângulo 4">
+            <a:extLst>
+              <a:ext uri="{FF2B5EF4-FFF2-40B4-BE49-F238E27FC236}">
+                <a16:creationId xmlns:a16="http://schemas.microsoft.com/office/drawing/2014/main" id="{8F652F94-DE9A-44DB-B993-201AF5F4ACA4}"/>
+              </a:ext>
+            </a:extLst>
+          </p:cNvPr>
+          <p:cNvSpPr/>
+          <p:nvPr/>
+        </p:nvSpPr>
+        <p:spPr>
+          <a:xfrm>
+            <a:off x="0" y="0"/>
+            <a:ext cx="12192000" cy="6858000"/>
+          </a:xfrm>
+          <a:prstGeom prst="rect">
+            <a:avLst/>
+          </a:prstGeom>
+          <a:solidFill>
+            <a:schemeClr val="tx1">
+              <a:alpha val="90000"/>
+            </a:schemeClr>
+          </a:solidFill>
+          <a:ln>
+            <a:noFill/>
+          </a:ln>
+        </p:spPr>
+        <p:style>
+          <a:lnRef idx="2">
+            <a:schemeClr val="accent1">
+              <a:shade val="50000"/>
+            </a:schemeClr>
+          </a:lnRef>
+          <a:fillRef idx="1">
+            <a:schemeClr val="accent1"/>
+          </a:fillRef>
+          <a:effectRef idx="0">
+            <a:schemeClr val="accent1"/>
+          </a:effectRef>
+          <a:fontRef idx="minor">
+            <a:schemeClr val="lt1"/>
+          </a:fontRef>
+        </p:style>
+        <p:txBody>
+          <a:bodyPr rtlCol="0" anchor="ctr"/>
+          <a:lstStyle/>
+          <a:p>
+            <a:pPr algn="ctr"/>
+            <a:endParaRPr lang="pt-BR"/>
+          </a:p>
+        </p:txBody>
+      </p:sp>
+      <p:pic>
+        <p:nvPicPr>
+          <p:cNvPr id="1028" name="Picture 4" descr="Sledge | Rainbow Six Wiki | Fandom">
+            <a:extLst>
+              <a:ext uri="{FF2B5EF4-FFF2-40B4-BE49-F238E27FC236}">
+                <a16:creationId xmlns:a16="http://schemas.microsoft.com/office/drawing/2014/main" id="{9C6E590D-09BC-410A-9E0E-0E255F6AD5F3}"/>
+              </a:ext>
+            </a:extLst>
+          </p:cNvPr>
+          <p:cNvPicPr>
+            <a:picLocks noChangeAspect="1" noChangeArrowheads="1"/>
+          </p:cNvPicPr>
+          <p:nvPr/>
+        </p:nvPicPr>
+        <p:blipFill>
+          <a:blip r:embed="rId2">
+            <a:extLst>
+              <a:ext uri="{28A0092B-C50C-407E-A947-70E740481C1C}">
+                <a14:useLocalDpi xmlns:a14="http://schemas.microsoft.com/office/drawing/2010/main" val="0"/>
+              </a:ext>
+            </a:extLst>
+          </a:blip>
+          <a:srcRect/>
+          <a:stretch>
+            <a:fillRect/>
+          </a:stretch>
+        </p:blipFill>
+        <p:spPr bwMode="auto">
+          <a:xfrm>
+            <a:off x="8471912" y="0"/>
+            <a:ext cx="3370263" cy="6858000"/>
+          </a:xfrm>
+          <a:prstGeom prst="rect">
+            <a:avLst/>
+          </a:prstGeom>
+          <a:noFill/>
+          <a:effectLst>
+            <a:outerShdw blurRad="50800" dist="38100" dir="2700000" algn="tl" rotWithShape="0">
+              <a:prstClr val="black">
+                <a:alpha val="40000"/>
+              </a:prstClr>
+            </a:outerShdw>
+          </a:effectLst>
+          <a:extLst>
+            <a:ext uri="{909E8E84-426E-40DD-AFC4-6F175D3DCCD1}">
+              <a14:hiddenFill xmlns:a14="http://schemas.microsoft.com/office/drawing/2010/main">
+                <a:solidFill>
+                  <a:srgbClr val="FFFFFF"/>
+                </a:solidFill>
+              </a14:hiddenFill>
+            </a:ext>
+          </a:extLst>
+        </p:spPr>
+      </p:pic>
+      <p:pic>
+        <p:nvPicPr>
+          <p:cNvPr id="7" name="Imagem 6">
+            <a:extLst>
+              <a:ext uri="{FF2B5EF4-FFF2-40B4-BE49-F238E27FC236}">
+                <a16:creationId xmlns:a16="http://schemas.microsoft.com/office/drawing/2014/main" id="{A64AEBA0-AFD7-442F-A0D2-DC02015FE08E}"/>
+              </a:ext>
+              <a:ext uri="{C183D7F6-B498-43B3-948B-1728B52AA6E4}">
+                <adec:decorative xmlns:adec="http://schemas.microsoft.com/office/drawing/2017/decorative" val="1"/>
+              </a:ext>
+            </a:extLst>
+          </p:cNvPr>
+          <p:cNvPicPr>
+            <a:picLocks noChangeAspect="1"/>
+          </p:cNvPicPr>
+          <p:nvPr/>
+        </p:nvPicPr>
+        <p:blipFill>
+          <a:blip r:embed="rId3">
+            <a:extLst>
+              <a:ext uri="{28A0092B-C50C-407E-A947-70E740481C1C}">
+                <a14:useLocalDpi xmlns:a14="http://schemas.microsoft.com/office/drawing/2010/main" val="0"/>
+              </a:ext>
+            </a:extLst>
+          </a:blip>
+          <a:stretch>
+            <a:fillRect/>
+          </a:stretch>
+        </p:blipFill>
+        <p:spPr>
+          <a:xfrm>
+            <a:off x="2650544" y="121820"/>
+            <a:ext cx="5471544" cy="1742624"/>
+          </a:xfrm>
+          <a:prstGeom prst="rect">
+            <a:avLst/>
+          </a:prstGeom>
+        </p:spPr>
+      </p:pic>
+      <p:sp>
+        <p:nvSpPr>
+          <p:cNvPr id="13" name="Espaço Reservado para Conteúdo 12">
+            <a:extLst>
+              <a:ext uri="{FF2B5EF4-FFF2-40B4-BE49-F238E27FC236}">
+                <a16:creationId xmlns:a16="http://schemas.microsoft.com/office/drawing/2014/main" id="{0C15A287-95B8-4EA6-ACF4-93ADB837B901}"/>
+              </a:ext>
+            </a:extLst>
+          </p:cNvPr>
+          <p:cNvSpPr>
+            <a:spLocks noGrp="1"/>
+          </p:cNvSpPr>
+          <p:nvPr>
+            <p:ph idx="1"/>
+          </p:nvPr>
+        </p:nvSpPr>
+        <p:spPr>
+          <a:xfrm>
+            <a:off x="838200" y="1866022"/>
+            <a:ext cx="10515600" cy="590575"/>
+          </a:xfrm>
+        </p:spPr>
+        <p:txBody>
+          <a:bodyPr>
+            <a:normAutofit/>
+          </a:bodyPr>
+          <a:lstStyle/>
+          <a:p>
+            <a:r>
+              <a:rPr lang="pt-BR" dirty="0">
+                <a:solidFill>
+                  <a:schemeClr val="bg1"/>
+                </a:solidFill>
+              </a:rPr>
+              <a:t>O que é?</a:t>
+            </a:r>
+          </a:p>
+        </p:txBody>
+      </p:sp>
       <p:sp>
         <p:nvSpPr>
           <p:cNvPr id="19" name="Espaço Reservado para Conteúdo 12">
@@ -3715,12 +5896,561 @@
           </a:p>
         </p:txBody>
       </p:sp>
-      <p:sp>
-        <p:nvSpPr>
-          <p:cNvPr id="20" name="Espaço Reservado para Conteúdo 12">
-            <a:extLst>
-              <a:ext uri="{FF2B5EF4-FFF2-40B4-BE49-F238E27FC236}">
-                <a16:creationId xmlns:a16="http://schemas.microsoft.com/office/drawing/2014/main" id="{89B9406A-769C-4C4C-8790-D88B9EDF68A7}"/>
+    </p:spTree>
+    <p:extLst>
+      <p:ext uri="{BB962C8B-B14F-4D97-AF65-F5344CB8AC3E}">
+        <p14:creationId xmlns:p14="http://schemas.microsoft.com/office/powerpoint/2010/main" val="1941943759"/>
+      </p:ext>
+    </p:extLst>
+  </p:cSld>
+  <p:clrMapOvr>
+    <a:masterClrMapping/>
+  </p:clrMapOvr>
+  <p:transition spd="slow">
+    <p:push dir="u"/>
+  </p:transition>
+  <p:timing>
+    <p:tnLst>
+      <p:par>
+        <p:cTn id="1" dur="indefinite" restart="never" nodeType="tmRoot">
+          <p:childTnLst>
+            <p:seq concurrent="1" nextAc="seek">
+              <p:cTn id="2" dur="indefinite" nodeType="mainSeq">
+                <p:childTnLst>
+                  <p:par>
+                    <p:cTn id="3" fill="hold">
+                      <p:stCondLst>
+                        <p:cond delay="indefinite"/>
+                      </p:stCondLst>
+                      <p:childTnLst>
+                        <p:par>
+                          <p:cTn id="4" fill="hold">
+                            <p:stCondLst>
+                              <p:cond delay="0"/>
+                            </p:stCondLst>
+                            <p:childTnLst>
+                              <p:par>
+                                <p:cTn id="5" presetID="42" presetClass="entr" presetSubtype="0" fill="hold" grpId="0" nodeType="clickEffect">
+                                  <p:stCondLst>
+                                    <p:cond delay="0"/>
+                                  </p:stCondLst>
+                                  <p:childTnLst>
+                                    <p:set>
+                                      <p:cBhvr>
+                                        <p:cTn id="6" dur="1" fill="hold">
+                                          <p:stCondLst>
+                                            <p:cond delay="0"/>
+                                          </p:stCondLst>
+                                        </p:cTn>
+                                        <p:tgtEl>
+                                          <p:spTgt spid="19"/>
+                                        </p:tgtEl>
+                                        <p:attrNameLst>
+                                          <p:attrName>style.visibility</p:attrName>
+                                        </p:attrNameLst>
+                                      </p:cBhvr>
+                                      <p:to>
+                                        <p:strVal val="visible"/>
+                                      </p:to>
+                                    </p:set>
+                                    <p:animEffect transition="in" filter="fade">
+                                      <p:cBhvr>
+                                        <p:cTn id="7" dur="1000"/>
+                                        <p:tgtEl>
+                                          <p:spTgt spid="19"/>
+                                        </p:tgtEl>
+                                      </p:cBhvr>
+                                    </p:animEffect>
+                                    <p:anim calcmode="lin" valueType="num">
+                                      <p:cBhvr>
+                                        <p:cTn id="8" dur="1000" fill="hold"/>
+                                        <p:tgtEl>
+                                          <p:spTgt spid="19"/>
+                                        </p:tgtEl>
+                                        <p:attrNameLst>
+                                          <p:attrName>ppt_x</p:attrName>
+                                        </p:attrNameLst>
+                                      </p:cBhvr>
+                                      <p:tavLst>
+                                        <p:tav tm="0">
+                                          <p:val>
+                                            <p:strVal val="#ppt_x"/>
+                                          </p:val>
+                                        </p:tav>
+                                        <p:tav tm="100000">
+                                          <p:val>
+                                            <p:strVal val="#ppt_x"/>
+                                          </p:val>
+                                        </p:tav>
+                                      </p:tavLst>
+                                    </p:anim>
+                                    <p:anim calcmode="lin" valueType="num">
+                                      <p:cBhvr>
+                                        <p:cTn id="9" dur="1000" fill="hold"/>
+                                        <p:tgtEl>
+                                          <p:spTgt spid="19"/>
+                                        </p:tgtEl>
+                                        <p:attrNameLst>
+                                          <p:attrName>ppt_y</p:attrName>
+                                        </p:attrNameLst>
+                                      </p:cBhvr>
+                                      <p:tavLst>
+                                        <p:tav tm="0">
+                                          <p:val>
+                                            <p:strVal val="#ppt_y+.1"/>
+                                          </p:val>
+                                        </p:tav>
+                                        <p:tav tm="100000">
+                                          <p:val>
+                                            <p:strVal val="#ppt_y"/>
+                                          </p:val>
+                                        </p:tav>
+                                      </p:tavLst>
+                                    </p:anim>
+                                  </p:childTnLst>
+                                </p:cTn>
+                              </p:par>
+                              <p:par>
+                                <p:cTn id="10" presetID="32" presetClass="emph" presetSubtype="0" fill="hold" nodeType="withEffect">
+                                  <p:stCondLst>
+                                    <p:cond delay="0"/>
+                                  </p:stCondLst>
+                                  <p:childTnLst>
+                                    <p:animRot by="120000">
+                                      <p:cBhvr>
+                                        <p:cTn id="11" dur="100" fill="hold">
+                                          <p:stCondLst>
+                                            <p:cond delay="0"/>
+                                          </p:stCondLst>
+                                        </p:cTn>
+                                        <p:tgtEl>
+                                          <p:spTgt spid="1028"/>
+                                        </p:tgtEl>
+                                        <p:attrNameLst>
+                                          <p:attrName>r</p:attrName>
+                                        </p:attrNameLst>
+                                      </p:cBhvr>
+                                    </p:animRot>
+                                    <p:animRot by="-240000">
+                                      <p:cBhvr>
+                                        <p:cTn id="12" dur="200" fill="hold">
+                                          <p:stCondLst>
+                                            <p:cond delay="200"/>
+                                          </p:stCondLst>
+                                        </p:cTn>
+                                        <p:tgtEl>
+                                          <p:spTgt spid="1028"/>
+                                        </p:tgtEl>
+                                        <p:attrNameLst>
+                                          <p:attrName>r</p:attrName>
+                                        </p:attrNameLst>
+                                      </p:cBhvr>
+                                    </p:animRot>
+                                    <p:animRot by="240000">
+                                      <p:cBhvr>
+                                        <p:cTn id="13" dur="200" fill="hold">
+                                          <p:stCondLst>
+                                            <p:cond delay="400"/>
+                                          </p:stCondLst>
+                                        </p:cTn>
+                                        <p:tgtEl>
+                                          <p:spTgt spid="1028"/>
+                                        </p:tgtEl>
+                                        <p:attrNameLst>
+                                          <p:attrName>r</p:attrName>
+                                        </p:attrNameLst>
+                                      </p:cBhvr>
+                                    </p:animRot>
+                                    <p:animRot by="-240000">
+                                      <p:cBhvr>
+                                        <p:cTn id="14" dur="200" fill="hold">
+                                          <p:stCondLst>
+                                            <p:cond delay="600"/>
+                                          </p:stCondLst>
+                                        </p:cTn>
+                                        <p:tgtEl>
+                                          <p:spTgt spid="1028"/>
+                                        </p:tgtEl>
+                                        <p:attrNameLst>
+                                          <p:attrName>r</p:attrName>
+                                        </p:attrNameLst>
+                                      </p:cBhvr>
+                                    </p:animRot>
+                                    <p:animRot by="120000">
+                                      <p:cBhvr>
+                                        <p:cTn id="15" dur="200" fill="hold">
+                                          <p:stCondLst>
+                                            <p:cond delay="800"/>
+                                          </p:stCondLst>
+                                        </p:cTn>
+                                        <p:tgtEl>
+                                          <p:spTgt spid="1028"/>
+                                        </p:tgtEl>
+                                        <p:attrNameLst>
+                                          <p:attrName>r</p:attrName>
+                                        </p:attrNameLst>
+                                      </p:cBhvr>
+                                    </p:animRot>
+                                  </p:childTnLst>
+                                </p:cTn>
+                              </p:par>
+                              <p:par>
+                                <p:cTn id="16" presetID="32" presetClass="emph" presetSubtype="0" fill="hold" nodeType="withEffect">
+                                  <p:stCondLst>
+                                    <p:cond delay="0"/>
+                                  </p:stCondLst>
+                                  <p:childTnLst>
+                                    <p:animRot by="120000">
+                                      <p:cBhvr>
+                                        <p:cTn id="17" dur="100" fill="hold">
+                                          <p:stCondLst>
+                                            <p:cond delay="0"/>
+                                          </p:stCondLst>
+                                        </p:cTn>
+                                        <p:tgtEl>
+                                          <p:spTgt spid="1028"/>
+                                        </p:tgtEl>
+                                        <p:attrNameLst>
+                                          <p:attrName>r</p:attrName>
+                                        </p:attrNameLst>
+                                      </p:cBhvr>
+                                    </p:animRot>
+                                    <p:animRot by="-240000">
+                                      <p:cBhvr>
+                                        <p:cTn id="18" dur="200" fill="hold">
+                                          <p:stCondLst>
+                                            <p:cond delay="200"/>
+                                          </p:stCondLst>
+                                        </p:cTn>
+                                        <p:tgtEl>
+                                          <p:spTgt spid="1028"/>
+                                        </p:tgtEl>
+                                        <p:attrNameLst>
+                                          <p:attrName>r</p:attrName>
+                                        </p:attrNameLst>
+                                      </p:cBhvr>
+                                    </p:animRot>
+                                    <p:animRot by="240000">
+                                      <p:cBhvr>
+                                        <p:cTn id="19" dur="200" fill="hold">
+                                          <p:stCondLst>
+                                            <p:cond delay="400"/>
+                                          </p:stCondLst>
+                                        </p:cTn>
+                                        <p:tgtEl>
+                                          <p:spTgt spid="1028"/>
+                                        </p:tgtEl>
+                                        <p:attrNameLst>
+                                          <p:attrName>r</p:attrName>
+                                        </p:attrNameLst>
+                                      </p:cBhvr>
+                                    </p:animRot>
+                                    <p:animRot by="-240000">
+                                      <p:cBhvr>
+                                        <p:cTn id="20" dur="200" fill="hold">
+                                          <p:stCondLst>
+                                            <p:cond delay="600"/>
+                                          </p:stCondLst>
+                                        </p:cTn>
+                                        <p:tgtEl>
+                                          <p:spTgt spid="1028"/>
+                                        </p:tgtEl>
+                                        <p:attrNameLst>
+                                          <p:attrName>r</p:attrName>
+                                        </p:attrNameLst>
+                                      </p:cBhvr>
+                                    </p:animRot>
+                                    <p:animRot by="120000">
+                                      <p:cBhvr>
+                                        <p:cTn id="21" dur="200" fill="hold">
+                                          <p:stCondLst>
+                                            <p:cond delay="800"/>
+                                          </p:stCondLst>
+                                        </p:cTn>
+                                        <p:tgtEl>
+                                          <p:spTgt spid="1028"/>
+                                        </p:tgtEl>
+                                        <p:attrNameLst>
+                                          <p:attrName>r</p:attrName>
+                                        </p:attrNameLst>
+                                      </p:cBhvr>
+                                    </p:animRot>
+                                  </p:childTnLst>
+                                </p:cTn>
+                              </p:par>
+                            </p:childTnLst>
+                          </p:cTn>
+                        </p:par>
+                      </p:childTnLst>
+                    </p:cTn>
+                  </p:par>
+                </p:childTnLst>
+              </p:cTn>
+              <p:prevCondLst>
+                <p:cond evt="onPrev" delay="0">
+                  <p:tgtEl>
+                    <p:sldTgt/>
+                  </p:tgtEl>
+                </p:cond>
+              </p:prevCondLst>
+              <p:nextCondLst>
+                <p:cond evt="onNext" delay="0">
+                  <p:tgtEl>
+                    <p:sldTgt/>
+                  </p:tgtEl>
+                </p:cond>
+              </p:nextCondLst>
+            </p:seq>
+          </p:childTnLst>
+        </p:cTn>
+      </p:par>
+    </p:tnLst>
+    <p:bldLst>
+      <p:bldP spid="19" grpId="0"/>
+    </p:bldLst>
+  </p:timing>
+</p:sld>
+</file>
+
+<file path=ppt/slides/slide4.xml><?xml version="1.0" encoding="utf-8"?>
+<p:sld xmlns:a="http://schemas.openxmlformats.org/drawingml/2006/main" xmlns:r="http://schemas.openxmlformats.org/officeDocument/2006/relationships" xmlns:p="http://schemas.openxmlformats.org/presentationml/2006/main">
+  <p:cSld>
+    <p:spTree>
+      <p:nvGrpSpPr>
+        <p:cNvPr id="1" name=""/>
+        <p:cNvGrpSpPr/>
+        <p:nvPr/>
+      </p:nvGrpSpPr>
+      <p:grpSpPr>
+        <a:xfrm>
+          <a:off x="0" y="0"/>
+          <a:ext cx="0" cy="0"/>
+          <a:chOff x="0" y="0"/>
+          <a:chExt cx="0" cy="0"/>
+        </a:xfrm>
+      </p:grpSpPr>
+    </p:spTree>
+    <p:extLst>
+      <p:ext uri="{BB962C8B-B14F-4D97-AF65-F5344CB8AC3E}">
+        <p14:creationId xmlns:p14="http://schemas.microsoft.com/office/powerpoint/2010/main" val="1644213941"/>
+      </p:ext>
+    </p:extLst>
+  </p:cSld>
+  <p:clrMapOvr>
+    <a:masterClrMapping/>
+  </p:clrMapOvr>
+</p:sld>
+</file>
+
+<file path=ppt/slides/slide5.xml><?xml version="1.0" encoding="utf-8"?>
+<p:sld xmlns:a="http://schemas.openxmlformats.org/drawingml/2006/main" xmlns:r="http://schemas.openxmlformats.org/officeDocument/2006/relationships" xmlns:p="http://schemas.openxmlformats.org/presentationml/2006/main">
+  <p:cSld>
+    <p:spTree>
+      <p:nvGrpSpPr>
+        <p:cNvPr id="1" name=""/>
+        <p:cNvGrpSpPr/>
+        <p:nvPr/>
+      </p:nvGrpSpPr>
+      <p:grpSpPr>
+        <a:xfrm>
+          <a:off x="0" y="0"/>
+          <a:ext cx="0" cy="0"/>
+          <a:chOff x="0" y="0"/>
+          <a:chExt cx="0" cy="0"/>
+        </a:xfrm>
+      </p:grpSpPr>
+      <p:sp>
+        <p:nvSpPr>
+          <p:cNvPr id="5" name="Retângulo 4">
+            <a:extLst>
+              <a:ext uri="{FF2B5EF4-FFF2-40B4-BE49-F238E27FC236}">
+                <a16:creationId xmlns:a16="http://schemas.microsoft.com/office/drawing/2014/main" id="{8F652F94-DE9A-44DB-B993-201AF5F4ACA4}"/>
+              </a:ext>
+            </a:extLst>
+          </p:cNvPr>
+          <p:cNvSpPr/>
+          <p:nvPr/>
+        </p:nvSpPr>
+        <p:spPr>
+          <a:xfrm>
+            <a:off x="0" y="0"/>
+            <a:ext cx="12192000" cy="6858000"/>
+          </a:xfrm>
+          <a:prstGeom prst="rect">
+            <a:avLst/>
+          </a:prstGeom>
+          <a:solidFill>
+            <a:schemeClr val="tx1">
+              <a:alpha val="90000"/>
+            </a:schemeClr>
+          </a:solidFill>
+          <a:ln>
+            <a:noFill/>
+          </a:ln>
+        </p:spPr>
+        <p:style>
+          <a:lnRef idx="2">
+            <a:schemeClr val="accent1">
+              <a:shade val="50000"/>
+            </a:schemeClr>
+          </a:lnRef>
+          <a:fillRef idx="1">
+            <a:schemeClr val="accent1"/>
+          </a:fillRef>
+          <a:effectRef idx="0">
+            <a:schemeClr val="accent1"/>
+          </a:effectRef>
+          <a:fontRef idx="minor">
+            <a:schemeClr val="lt1"/>
+          </a:fontRef>
+        </p:style>
+        <p:txBody>
+          <a:bodyPr rtlCol="0" anchor="ctr"/>
+          <a:lstStyle/>
+          <a:p>
+            <a:pPr algn="ctr"/>
+            <a:endParaRPr lang="pt-BR" dirty="0"/>
+          </a:p>
+        </p:txBody>
+      </p:sp>
+      <p:pic>
+        <p:nvPicPr>
+          <p:cNvPr id="1028" name="Picture 4" descr="Sledge | Rainbow Six Wiki | Fandom">
+            <a:extLst>
+              <a:ext uri="{FF2B5EF4-FFF2-40B4-BE49-F238E27FC236}">
+                <a16:creationId xmlns:a16="http://schemas.microsoft.com/office/drawing/2014/main" id="{9C6E590D-09BC-410A-9E0E-0E255F6AD5F3}"/>
+              </a:ext>
+            </a:extLst>
+          </p:cNvPr>
+          <p:cNvPicPr>
+            <a:picLocks noChangeAspect="1" noChangeArrowheads="1"/>
+          </p:cNvPicPr>
+          <p:nvPr/>
+        </p:nvPicPr>
+        <p:blipFill>
+          <a:blip r:embed="rId2">
+            <a:extLst>
+              <a:ext uri="{28A0092B-C50C-407E-A947-70E740481C1C}">
+                <a14:useLocalDpi xmlns:a14="http://schemas.microsoft.com/office/drawing/2010/main" val="0"/>
+              </a:ext>
+            </a:extLst>
+          </a:blip>
+          <a:srcRect/>
+          <a:stretch>
+            <a:fillRect/>
+          </a:stretch>
+        </p:blipFill>
+        <p:spPr bwMode="auto">
+          <a:xfrm>
+            <a:off x="8471912" y="0"/>
+            <a:ext cx="3370263" cy="6858000"/>
+          </a:xfrm>
+          <a:prstGeom prst="rect">
+            <a:avLst/>
+          </a:prstGeom>
+          <a:noFill/>
+          <a:effectLst>
+            <a:outerShdw blurRad="50800" dist="38100" dir="2700000" algn="tl" rotWithShape="0">
+              <a:prstClr val="black">
+                <a:alpha val="40000"/>
+              </a:prstClr>
+            </a:outerShdw>
+          </a:effectLst>
+          <a:extLst>
+            <a:ext uri="{909E8E84-426E-40DD-AFC4-6F175D3DCCD1}">
+              <a14:hiddenFill xmlns:a14="http://schemas.microsoft.com/office/drawing/2010/main">
+                <a:solidFill>
+                  <a:srgbClr val="FFFFFF"/>
+                </a:solidFill>
+              </a14:hiddenFill>
+            </a:ext>
+          </a:extLst>
+        </p:spPr>
+      </p:pic>
+      <p:pic>
+        <p:nvPicPr>
+          <p:cNvPr id="7" name="Imagem 6">
+            <a:extLst>
+              <a:ext uri="{FF2B5EF4-FFF2-40B4-BE49-F238E27FC236}">
+                <a16:creationId xmlns:a16="http://schemas.microsoft.com/office/drawing/2014/main" id="{A64AEBA0-AFD7-442F-A0D2-DC02015FE08E}"/>
+              </a:ext>
+              <a:ext uri="{C183D7F6-B498-43B3-948B-1728B52AA6E4}">
+                <adec:decorative xmlns:adec="http://schemas.microsoft.com/office/drawing/2017/decorative" val="1"/>
+              </a:ext>
+            </a:extLst>
+          </p:cNvPr>
+          <p:cNvPicPr>
+            <a:picLocks noChangeAspect="1"/>
+          </p:cNvPicPr>
+          <p:nvPr/>
+        </p:nvPicPr>
+        <p:blipFill>
+          <a:blip r:embed="rId3">
+            <a:extLst>
+              <a:ext uri="{28A0092B-C50C-407E-A947-70E740481C1C}">
+                <a14:useLocalDpi xmlns:a14="http://schemas.microsoft.com/office/drawing/2010/main" val="0"/>
+              </a:ext>
+            </a:extLst>
+          </a:blip>
+          <a:stretch>
+            <a:fillRect/>
+          </a:stretch>
+        </p:blipFill>
+        <p:spPr>
+          <a:xfrm>
+            <a:off x="2650544" y="121820"/>
+            <a:ext cx="5471544" cy="1742624"/>
+          </a:xfrm>
+          <a:prstGeom prst="rect">
+            <a:avLst/>
+          </a:prstGeom>
+        </p:spPr>
+      </p:pic>
+      <p:sp>
+        <p:nvSpPr>
+          <p:cNvPr id="13" name="Espaço Reservado para Conteúdo 12">
+            <a:extLst>
+              <a:ext uri="{FF2B5EF4-FFF2-40B4-BE49-F238E27FC236}">
+                <a16:creationId xmlns:a16="http://schemas.microsoft.com/office/drawing/2014/main" id="{0C15A287-95B8-4EA6-ACF4-93ADB837B901}"/>
+              </a:ext>
+            </a:extLst>
+          </p:cNvPr>
+          <p:cNvSpPr>
+            <a:spLocks noGrp="1"/>
+          </p:cNvSpPr>
+          <p:nvPr>
+            <p:ph idx="1"/>
+          </p:nvPr>
+        </p:nvSpPr>
+        <p:spPr>
+          <a:xfrm>
+            <a:off x="838200" y="1866022"/>
+            <a:ext cx="10515600" cy="590575"/>
+          </a:xfrm>
+        </p:spPr>
+        <p:txBody>
+          <a:bodyPr>
+            <a:normAutofit/>
+          </a:bodyPr>
+          <a:lstStyle/>
+          <a:p>
+            <a:r>
+              <a:rPr lang="pt-BR" dirty="0">
+                <a:solidFill>
+                  <a:schemeClr val="bg1"/>
+                </a:solidFill>
+              </a:rPr>
+              <a:t>O que é?</a:t>
+            </a:r>
+          </a:p>
+        </p:txBody>
+      </p:sp>
+      <p:sp>
+        <p:nvSpPr>
+          <p:cNvPr id="19" name="Espaço Reservado para Conteúdo 12">
+            <a:extLst>
+              <a:ext uri="{FF2B5EF4-FFF2-40B4-BE49-F238E27FC236}">
+                <a16:creationId xmlns:a16="http://schemas.microsoft.com/office/drawing/2014/main" id="{0B9F2ADE-ECF8-475D-8E4E-1BEE80E62551}"/>
               </a:ext>
             </a:extLst>
           </p:cNvPr>
@@ -3731,7 +6461,7 @@
         </p:nvSpPr>
         <p:spPr>
           <a:xfrm>
-            <a:off x="838200" y="3047172"/>
+            <a:off x="838200" y="2456597"/>
             <a:ext cx="10515600" cy="590575"/>
           </a:xfrm>
           <a:prstGeom prst="rect">
@@ -3913,6 +6643,209 @@
                   <a:schemeClr val="bg1"/>
                 </a:solidFill>
               </a:rPr>
+              <a:t>Qual o objetivo?</a:t>
+            </a:r>
+          </a:p>
+        </p:txBody>
+      </p:sp>
+      <p:sp>
+        <p:nvSpPr>
+          <p:cNvPr id="20" name="Espaço Reservado para Conteúdo 12">
+            <a:extLst>
+              <a:ext uri="{FF2B5EF4-FFF2-40B4-BE49-F238E27FC236}">
+                <a16:creationId xmlns:a16="http://schemas.microsoft.com/office/drawing/2014/main" id="{89B9406A-769C-4C4C-8790-D88B9EDF68A7}"/>
+              </a:ext>
+            </a:extLst>
+          </p:cNvPr>
+          <p:cNvSpPr txBox="1">
+            <a:spLocks/>
+          </p:cNvSpPr>
+          <p:nvPr/>
+        </p:nvSpPr>
+        <p:spPr>
+          <a:xfrm>
+            <a:off x="838200" y="3047172"/>
+            <a:ext cx="10515600" cy="590575"/>
+          </a:xfrm>
+          <a:prstGeom prst="rect">
+            <a:avLst/>
+          </a:prstGeom>
+        </p:spPr>
+        <p:txBody>
+          <a:bodyPr vert="horz" lIns="91440" tIns="45720" rIns="91440" bIns="45720" rtlCol="0">
+            <a:normAutofit/>
+          </a:bodyPr>
+          <a:lstStyle>
+            <a:lvl1pPr marL="228600" indent="-228600" algn="l" defTabSz="914400" rtl="0" eaLnBrk="1" latinLnBrk="0" hangingPunct="1">
+              <a:lnSpc>
+                <a:spcPct val="90000"/>
+              </a:lnSpc>
+              <a:spcBef>
+                <a:spcPts val="1000"/>
+              </a:spcBef>
+              <a:buFont typeface="Arial" panose="020B0604020202020204" pitchFamily="34" charset="0"/>
+              <a:buChar char="•"/>
+              <a:defRPr sz="2800" kern="1200">
+                <a:solidFill>
+                  <a:schemeClr val="tx1"/>
+                </a:solidFill>
+                <a:latin typeface="+mn-lt"/>
+                <a:ea typeface="+mn-ea"/>
+                <a:cs typeface="+mn-cs"/>
+              </a:defRPr>
+            </a:lvl1pPr>
+            <a:lvl2pPr marL="685800" indent="-228600" algn="l" defTabSz="914400" rtl="0" eaLnBrk="1" latinLnBrk="0" hangingPunct="1">
+              <a:lnSpc>
+                <a:spcPct val="90000"/>
+              </a:lnSpc>
+              <a:spcBef>
+                <a:spcPts val="500"/>
+              </a:spcBef>
+              <a:buFont typeface="Arial" panose="020B0604020202020204" pitchFamily="34" charset="0"/>
+              <a:buChar char="•"/>
+              <a:defRPr sz="2400" kern="1200">
+                <a:solidFill>
+                  <a:schemeClr val="tx1"/>
+                </a:solidFill>
+                <a:latin typeface="+mn-lt"/>
+                <a:ea typeface="+mn-ea"/>
+                <a:cs typeface="+mn-cs"/>
+              </a:defRPr>
+            </a:lvl2pPr>
+            <a:lvl3pPr marL="1143000" indent="-228600" algn="l" defTabSz="914400" rtl="0" eaLnBrk="1" latinLnBrk="0" hangingPunct="1">
+              <a:lnSpc>
+                <a:spcPct val="90000"/>
+              </a:lnSpc>
+              <a:spcBef>
+                <a:spcPts val="500"/>
+              </a:spcBef>
+              <a:buFont typeface="Arial" panose="020B0604020202020204" pitchFamily="34" charset="0"/>
+              <a:buChar char="•"/>
+              <a:defRPr sz="2000" kern="1200">
+                <a:solidFill>
+                  <a:schemeClr val="tx1"/>
+                </a:solidFill>
+                <a:latin typeface="+mn-lt"/>
+                <a:ea typeface="+mn-ea"/>
+                <a:cs typeface="+mn-cs"/>
+              </a:defRPr>
+            </a:lvl3pPr>
+            <a:lvl4pPr marL="1600200" indent="-228600" algn="l" defTabSz="914400" rtl="0" eaLnBrk="1" latinLnBrk="0" hangingPunct="1">
+              <a:lnSpc>
+                <a:spcPct val="90000"/>
+              </a:lnSpc>
+              <a:spcBef>
+                <a:spcPts val="500"/>
+              </a:spcBef>
+              <a:buFont typeface="Arial" panose="020B0604020202020204" pitchFamily="34" charset="0"/>
+              <a:buChar char="•"/>
+              <a:defRPr sz="1800" kern="1200">
+                <a:solidFill>
+                  <a:schemeClr val="tx1"/>
+                </a:solidFill>
+                <a:latin typeface="+mn-lt"/>
+                <a:ea typeface="+mn-ea"/>
+                <a:cs typeface="+mn-cs"/>
+              </a:defRPr>
+            </a:lvl4pPr>
+            <a:lvl5pPr marL="2057400" indent="-228600" algn="l" defTabSz="914400" rtl="0" eaLnBrk="1" latinLnBrk="0" hangingPunct="1">
+              <a:lnSpc>
+                <a:spcPct val="90000"/>
+              </a:lnSpc>
+              <a:spcBef>
+                <a:spcPts val="500"/>
+              </a:spcBef>
+              <a:buFont typeface="Arial" panose="020B0604020202020204" pitchFamily="34" charset="0"/>
+              <a:buChar char="•"/>
+              <a:defRPr sz="1800" kern="1200">
+                <a:solidFill>
+                  <a:schemeClr val="tx1"/>
+                </a:solidFill>
+                <a:latin typeface="+mn-lt"/>
+                <a:ea typeface="+mn-ea"/>
+                <a:cs typeface="+mn-cs"/>
+              </a:defRPr>
+            </a:lvl5pPr>
+            <a:lvl6pPr marL="2514600" indent="-228600" algn="l" defTabSz="914400" rtl="0" eaLnBrk="1" latinLnBrk="0" hangingPunct="1">
+              <a:lnSpc>
+                <a:spcPct val="90000"/>
+              </a:lnSpc>
+              <a:spcBef>
+                <a:spcPts val="500"/>
+              </a:spcBef>
+              <a:buFont typeface="Arial" panose="020B0604020202020204" pitchFamily="34" charset="0"/>
+              <a:buChar char="•"/>
+              <a:defRPr sz="1800" kern="1200">
+                <a:solidFill>
+                  <a:schemeClr val="tx1"/>
+                </a:solidFill>
+                <a:latin typeface="+mn-lt"/>
+                <a:ea typeface="+mn-ea"/>
+                <a:cs typeface="+mn-cs"/>
+              </a:defRPr>
+            </a:lvl6pPr>
+            <a:lvl7pPr marL="2971800" indent="-228600" algn="l" defTabSz="914400" rtl="0" eaLnBrk="1" latinLnBrk="0" hangingPunct="1">
+              <a:lnSpc>
+                <a:spcPct val="90000"/>
+              </a:lnSpc>
+              <a:spcBef>
+                <a:spcPts val="500"/>
+              </a:spcBef>
+              <a:buFont typeface="Arial" panose="020B0604020202020204" pitchFamily="34" charset="0"/>
+              <a:buChar char="•"/>
+              <a:defRPr sz="1800" kern="1200">
+                <a:solidFill>
+                  <a:schemeClr val="tx1"/>
+                </a:solidFill>
+                <a:latin typeface="+mn-lt"/>
+                <a:ea typeface="+mn-ea"/>
+                <a:cs typeface="+mn-cs"/>
+              </a:defRPr>
+            </a:lvl7pPr>
+            <a:lvl8pPr marL="3429000" indent="-228600" algn="l" defTabSz="914400" rtl="0" eaLnBrk="1" latinLnBrk="0" hangingPunct="1">
+              <a:lnSpc>
+                <a:spcPct val="90000"/>
+              </a:lnSpc>
+              <a:spcBef>
+                <a:spcPts val="500"/>
+              </a:spcBef>
+              <a:buFont typeface="Arial" panose="020B0604020202020204" pitchFamily="34" charset="0"/>
+              <a:buChar char="•"/>
+              <a:defRPr sz="1800" kern="1200">
+                <a:solidFill>
+                  <a:schemeClr val="tx1"/>
+                </a:solidFill>
+                <a:latin typeface="+mn-lt"/>
+                <a:ea typeface="+mn-ea"/>
+                <a:cs typeface="+mn-cs"/>
+              </a:defRPr>
+            </a:lvl8pPr>
+            <a:lvl9pPr marL="3886200" indent="-228600" algn="l" defTabSz="914400" rtl="0" eaLnBrk="1" latinLnBrk="0" hangingPunct="1">
+              <a:lnSpc>
+                <a:spcPct val="90000"/>
+              </a:lnSpc>
+              <a:spcBef>
+                <a:spcPts val="500"/>
+              </a:spcBef>
+              <a:buFont typeface="Arial" panose="020B0604020202020204" pitchFamily="34" charset="0"/>
+              <a:buChar char="•"/>
+              <a:defRPr sz="1800" kern="1200">
+                <a:solidFill>
+                  <a:schemeClr val="tx1"/>
+                </a:solidFill>
+                <a:latin typeface="+mn-lt"/>
+                <a:ea typeface="+mn-ea"/>
+                <a:cs typeface="+mn-cs"/>
+              </a:defRPr>
+            </a:lvl9pPr>
+          </a:lstStyle>
+          <a:p>
+            <a:r>
+              <a:rPr lang="pt-BR" dirty="0">
+                <a:solidFill>
+                  <a:schemeClr val="bg1"/>
+                </a:solidFill>
+              </a:rPr>
               <a:t>Porque o jogo é incrível?</a:t>
             </a:r>
           </a:p>
@@ -3921,13 +6854,16 @@
     </p:spTree>
     <p:extLst>
       <p:ext uri="{BB962C8B-B14F-4D97-AF65-F5344CB8AC3E}">
-        <p14:creationId xmlns:p14="http://schemas.microsoft.com/office/powerpoint/2010/main" val="1026325926"/>
+        <p14:creationId xmlns:p14="http://schemas.microsoft.com/office/powerpoint/2010/main" val="3061912026"/>
       </p:ext>
     </p:extLst>
   </p:cSld>
   <p:clrMapOvr>
     <a:masterClrMapping/>
   </p:clrMapOvr>
+  <p:transition spd="slow">
+    <p:push dir="u"/>
+  </p:transition>
   <p:timing>
     <p:tnLst>
       <p:par>
@@ -3952,51 +6888,20 @@
                             </p:stCondLst>
                             <p:childTnLst>
                               <p:par>
-                                <p:cTn id="5" presetID="42" presetClass="path" presetSubtype="0" accel="50000" decel="50000" fill="hold" nodeType="withEffect">
-                                  <p:stCondLst>
-                                    <p:cond delay="0"/>
-                                  </p:stCondLst>
-                                  <p:childTnLst>
-                                    <p:animMotion origin="layout" path="M 0.00768 0.10255 L 0.00026 -1 " pathEditMode="relative" rAng="0" ptsTypes="AA">
-                                      <p:cBhvr>
-                                        <p:cTn id="6" dur="1500" fill="hold"/>
-                                        <p:tgtEl>
-                                          <p:spTgt spid="1028"/>
-                                        </p:tgtEl>
-                                        <p:attrNameLst>
-                                          <p:attrName>ppt_x</p:attrName>
-                                          <p:attrName>ppt_y</p:attrName>
-                                        </p:attrNameLst>
-                                      </p:cBhvr>
-                                      <p:rCtr x="-378" y="-55139"/>
-                                    </p:animMotion>
-                                  </p:childTnLst>
-                                </p:cTn>
-                              </p:par>
-                            </p:childTnLst>
-                          </p:cTn>
-                        </p:par>
-                        <p:par>
-                          <p:cTn id="7" fill="hold">
-                            <p:stCondLst>
-                              <p:cond delay="1500"/>
-                            </p:stCondLst>
-                            <p:childTnLst>
-                              <p:par>
-                                <p:cTn id="8" presetID="10" presetClass="entr" presetSubtype="0" fill="hold" nodeType="afterEffect">
+                                <p:cTn id="5" presetID="42" presetClass="entr" presetSubtype="0" fill="hold" grpId="0" nodeType="afterEffect">
                                   <p:stCondLst>
                                     <p:cond delay="0"/>
                                   </p:stCondLst>
                                   <p:childTnLst>
                                     <p:set>
                                       <p:cBhvr>
-                                        <p:cTn id="9" dur="1" fill="hold">
+                                        <p:cTn id="6" dur="1" fill="hold">
                                           <p:stCondLst>
                                             <p:cond delay="0"/>
                                           </p:stCondLst>
                                         </p:cTn>
                                         <p:tgtEl>
-                                          <p:spTgt spid="7"/>
+                                          <p:spTgt spid="20"/>
                                         </p:tgtEl>
                                         <p:attrNameLst>
                                           <p:attrName>style.visibility</p:attrName>
@@ -4008,82 +6913,17 @@
                                     </p:set>
                                     <p:animEffect transition="in" filter="fade">
                                       <p:cBhvr>
-                                        <p:cTn id="10" dur="750"/>
-                                        <p:tgtEl>
-                                          <p:spTgt spid="7"/>
-                                        </p:tgtEl>
-                                      </p:cBhvr>
-                                    </p:animEffect>
-                                  </p:childTnLst>
-                                </p:cTn>
-                              </p:par>
-                            </p:childTnLst>
-                          </p:cTn>
-                        </p:par>
-                      </p:childTnLst>
-                    </p:cTn>
-                  </p:par>
-                  <p:par>
-                    <p:cTn id="11" fill="hold">
-                      <p:stCondLst>
-                        <p:cond delay="indefinite"/>
-                      </p:stCondLst>
-                      <p:childTnLst>
-                        <p:par>
-                          <p:cTn id="12" fill="hold">
-                            <p:stCondLst>
-                              <p:cond delay="0"/>
-                            </p:stCondLst>
-                            <p:childTnLst>
-                              <p:par>
-                                <p:cTn id="13" presetID="42" presetClass="entr" presetSubtype="0" fill="hold" grpId="0" nodeType="clickEffect">
-                                  <p:stCondLst>
-                                    <p:cond delay="0"/>
-                                  </p:stCondLst>
-                                  <p:childTnLst>
-                                    <p:set>
-                                      <p:cBhvr>
-                                        <p:cTn id="14" dur="1" fill="hold">
-                                          <p:stCondLst>
-                                            <p:cond delay="0"/>
-                                          </p:stCondLst>
-                                        </p:cTn>
-                                        <p:tgtEl>
-                                          <p:spTgt spid="13">
-                                            <p:txEl>
-                                              <p:pRg st="0" end="0"/>
-                                            </p:txEl>
-                                          </p:spTgt>
-                                        </p:tgtEl>
-                                        <p:attrNameLst>
-                                          <p:attrName>style.visibility</p:attrName>
-                                        </p:attrNameLst>
-                                      </p:cBhvr>
-                                      <p:to>
-                                        <p:strVal val="visible"/>
-                                      </p:to>
-                                    </p:set>
-                                    <p:animEffect transition="in" filter="fade">
-                                      <p:cBhvr>
-                                        <p:cTn id="15" dur="1000"/>
-                                        <p:tgtEl>
-                                          <p:spTgt spid="13">
-                                            <p:txEl>
-                                              <p:pRg st="0" end="0"/>
-                                            </p:txEl>
-                                          </p:spTgt>
+                                        <p:cTn id="7" dur="1000"/>
+                                        <p:tgtEl>
+                                          <p:spTgt spid="20"/>
                                         </p:tgtEl>
                                       </p:cBhvr>
                                     </p:animEffect>
                                     <p:anim calcmode="lin" valueType="num">
                                       <p:cBhvr>
-                                        <p:cTn id="16" dur="1000" fill="hold"/>
-                                        <p:tgtEl>
-                                          <p:spTgt spid="13">
-                                            <p:txEl>
-                                              <p:pRg st="0" end="0"/>
-                                            </p:txEl>
-                                          </p:spTgt>
+                                        <p:cTn id="8" dur="1000" fill="hold"/>
+                                        <p:tgtEl>
+                                          <p:spTgt spid="20"/>
                                         </p:tgtEl>
                                         <p:attrNameLst>
                                           <p:attrName>ppt_x</p:attrName>
@@ -4104,13 +6944,9 @@
                                     </p:anim>
                                     <p:anim calcmode="lin" valueType="num">
                                       <p:cBhvr>
-                                        <p:cTn id="17" dur="1000" fill="hold"/>
-                                        <p:tgtEl>
-                                          <p:spTgt spid="13">
-                                            <p:txEl>
-                                              <p:pRg st="0" end="0"/>
-                                            </p:txEl>
-                                          </p:spTgt>
+                                        <p:cTn id="9" dur="1000" fill="hold"/>
+                                        <p:tgtEl>
+                                          <p:spTgt spid="20"/>
                                         </p:tgtEl>
                                         <p:attrNameLst>
                                           <p:attrName>ppt_y</p:attrName>
@@ -4133,14 +6969,14 @@
                                 </p:cTn>
                               </p:par>
                               <p:par>
-                                <p:cTn id="18" presetID="32" presetClass="emph" presetSubtype="0" fill="hold" nodeType="withEffect">
+                                <p:cTn id="10" presetID="32" presetClass="emph" presetSubtype="0" fill="hold" nodeType="withEffect">
                                   <p:stCondLst>
                                     <p:cond delay="0"/>
                                   </p:stCondLst>
                                   <p:childTnLst>
                                     <p:animRot by="120000">
                                       <p:cBhvr>
-                                        <p:cTn id="19" dur="100" fill="hold">
+                                        <p:cTn id="11" dur="100" fill="hold">
                                           <p:stCondLst>
                                             <p:cond delay="0"/>
                                           </p:stCondLst>
@@ -4155,7 +6991,7 @@
                                     </p:animRot>
                                     <p:animRot by="-240000">
                                       <p:cBhvr>
-                                        <p:cTn id="20" dur="200" fill="hold">
+                                        <p:cTn id="12" dur="200" fill="hold">
                                           <p:stCondLst>
                                             <p:cond delay="200"/>
                                           </p:stCondLst>
@@ -4170,7 +7006,7 @@
                                     </p:animRot>
                                     <p:animRot by="240000">
                                       <p:cBhvr>
-                                        <p:cTn id="21" dur="200" fill="hold">
+                                        <p:cTn id="13" dur="200" fill="hold">
                                           <p:stCondLst>
                                             <p:cond delay="400"/>
                                           </p:stCondLst>
@@ -4185,7 +7021,7 @@
                                     </p:animRot>
                                     <p:animRot by="-240000">
                                       <p:cBhvr>
-                                        <p:cTn id="22" dur="200" fill="hold">
+                                        <p:cTn id="14" dur="200" fill="hold">
                                           <p:stCondLst>
                                             <p:cond delay="600"/>
                                           </p:stCondLst>
@@ -4200,373 +7036,7 @@
                                     </p:animRot>
                                     <p:animRot by="120000">
                                       <p:cBhvr>
-                                        <p:cTn id="23" dur="200" fill="hold">
-                                          <p:stCondLst>
-                                            <p:cond delay="800"/>
-                                          </p:stCondLst>
-                                        </p:cTn>
-                                        <p:tgtEl>
-                                          <p:spTgt spid="1028"/>
-                                        </p:tgtEl>
-                                        <p:attrNameLst>
-                                          <p:attrName>r</p:attrName>
-                                        </p:attrNameLst>
-                                      </p:cBhvr>
-                                    </p:animRot>
-                                  </p:childTnLst>
-                                </p:cTn>
-                              </p:par>
-                            </p:childTnLst>
-                          </p:cTn>
-                        </p:par>
-                      </p:childTnLst>
-                    </p:cTn>
-                  </p:par>
-                  <p:par>
-                    <p:cTn id="24" fill="hold">
-                      <p:stCondLst>
-                        <p:cond delay="indefinite"/>
-                      </p:stCondLst>
-                      <p:childTnLst>
-                        <p:par>
-                          <p:cTn id="25" fill="hold">
-                            <p:stCondLst>
-                              <p:cond delay="0"/>
-                            </p:stCondLst>
-                            <p:childTnLst>
-                              <p:par>
-                                <p:cTn id="26" presetID="42" presetClass="entr" presetSubtype="0" fill="hold" grpId="0" nodeType="clickEffect">
-                                  <p:stCondLst>
-                                    <p:cond delay="0"/>
-                                  </p:stCondLst>
-                                  <p:childTnLst>
-                                    <p:set>
-                                      <p:cBhvr>
-                                        <p:cTn id="27" dur="1" fill="hold">
-                                          <p:stCondLst>
-                                            <p:cond delay="0"/>
-                                          </p:stCondLst>
-                                        </p:cTn>
-                                        <p:tgtEl>
-                                          <p:spTgt spid="19"/>
-                                        </p:tgtEl>
-                                        <p:attrNameLst>
-                                          <p:attrName>style.visibility</p:attrName>
-                                        </p:attrNameLst>
-                                      </p:cBhvr>
-                                      <p:to>
-                                        <p:strVal val="visible"/>
-                                      </p:to>
-                                    </p:set>
-                                    <p:animEffect transition="in" filter="fade">
-                                      <p:cBhvr>
-                                        <p:cTn id="28" dur="1000"/>
-                                        <p:tgtEl>
-                                          <p:spTgt spid="19"/>
-                                        </p:tgtEl>
-                                      </p:cBhvr>
-                                    </p:animEffect>
-                                    <p:anim calcmode="lin" valueType="num">
-                                      <p:cBhvr>
-                                        <p:cTn id="29" dur="1000" fill="hold"/>
-                                        <p:tgtEl>
-                                          <p:spTgt spid="19"/>
-                                        </p:tgtEl>
-                                        <p:attrNameLst>
-                                          <p:attrName>ppt_x</p:attrName>
-                                        </p:attrNameLst>
-                                      </p:cBhvr>
-                                      <p:tavLst>
-                                        <p:tav tm="0">
-                                          <p:val>
-                                            <p:strVal val="#ppt_x"/>
-                                          </p:val>
-                                        </p:tav>
-                                        <p:tav tm="100000">
-                                          <p:val>
-                                            <p:strVal val="#ppt_x"/>
-                                          </p:val>
-                                        </p:tav>
-                                      </p:tavLst>
-                                    </p:anim>
-                                    <p:anim calcmode="lin" valueType="num">
-                                      <p:cBhvr>
-                                        <p:cTn id="30" dur="1000" fill="hold"/>
-                                        <p:tgtEl>
-                                          <p:spTgt spid="19"/>
-                                        </p:tgtEl>
-                                        <p:attrNameLst>
-                                          <p:attrName>ppt_y</p:attrName>
-                                        </p:attrNameLst>
-                                      </p:cBhvr>
-                                      <p:tavLst>
-                                        <p:tav tm="0">
-                                          <p:val>
-                                            <p:strVal val="#ppt_y+.1"/>
-                                          </p:val>
-                                        </p:tav>
-                                        <p:tav tm="100000">
-                                          <p:val>
-                                            <p:strVal val="#ppt_y"/>
-                                          </p:val>
-                                        </p:tav>
-                                      </p:tavLst>
-                                    </p:anim>
-                                  </p:childTnLst>
-                                </p:cTn>
-                              </p:par>
-                              <p:par>
-                                <p:cTn id="31" presetID="32" presetClass="emph" presetSubtype="0" fill="hold" nodeType="withEffect">
-                                  <p:stCondLst>
-                                    <p:cond delay="0"/>
-                                  </p:stCondLst>
-                                  <p:childTnLst>
-                                    <p:animRot by="120000">
-                                      <p:cBhvr>
-                                        <p:cTn id="32" dur="100" fill="hold">
-                                          <p:stCondLst>
-                                            <p:cond delay="0"/>
-                                          </p:stCondLst>
-                                        </p:cTn>
-                                        <p:tgtEl>
-                                          <p:spTgt spid="1028"/>
-                                        </p:tgtEl>
-                                        <p:attrNameLst>
-                                          <p:attrName>r</p:attrName>
-                                        </p:attrNameLst>
-                                      </p:cBhvr>
-                                    </p:animRot>
-                                    <p:animRot by="-240000">
-                                      <p:cBhvr>
-                                        <p:cTn id="33" dur="200" fill="hold">
-                                          <p:stCondLst>
-                                            <p:cond delay="200"/>
-                                          </p:stCondLst>
-                                        </p:cTn>
-                                        <p:tgtEl>
-                                          <p:spTgt spid="1028"/>
-                                        </p:tgtEl>
-                                        <p:attrNameLst>
-                                          <p:attrName>r</p:attrName>
-                                        </p:attrNameLst>
-                                      </p:cBhvr>
-                                    </p:animRot>
-                                    <p:animRot by="240000">
-                                      <p:cBhvr>
-                                        <p:cTn id="34" dur="200" fill="hold">
-                                          <p:stCondLst>
-                                            <p:cond delay="400"/>
-                                          </p:stCondLst>
-                                        </p:cTn>
-                                        <p:tgtEl>
-                                          <p:spTgt spid="1028"/>
-                                        </p:tgtEl>
-                                        <p:attrNameLst>
-                                          <p:attrName>r</p:attrName>
-                                        </p:attrNameLst>
-                                      </p:cBhvr>
-                                    </p:animRot>
-                                    <p:animRot by="-240000">
-                                      <p:cBhvr>
-                                        <p:cTn id="35" dur="200" fill="hold">
-                                          <p:stCondLst>
-                                            <p:cond delay="600"/>
-                                          </p:stCondLst>
-                                        </p:cTn>
-                                        <p:tgtEl>
-                                          <p:spTgt spid="1028"/>
-                                        </p:tgtEl>
-                                        <p:attrNameLst>
-                                          <p:attrName>r</p:attrName>
-                                        </p:attrNameLst>
-                                      </p:cBhvr>
-                                    </p:animRot>
-                                    <p:animRot by="120000">
-                                      <p:cBhvr>
-                                        <p:cTn id="36" dur="200" fill="hold">
-                                          <p:stCondLst>
-                                            <p:cond delay="800"/>
-                                          </p:stCondLst>
-                                        </p:cTn>
-                                        <p:tgtEl>
-                                          <p:spTgt spid="1028"/>
-                                        </p:tgtEl>
-                                        <p:attrNameLst>
-                                          <p:attrName>r</p:attrName>
-                                        </p:attrNameLst>
-                                      </p:cBhvr>
-                                    </p:animRot>
-                                  </p:childTnLst>
-                                </p:cTn>
-                              </p:par>
-                            </p:childTnLst>
-                          </p:cTn>
-                        </p:par>
-                      </p:childTnLst>
-                    </p:cTn>
-                  </p:par>
-                  <p:par>
-                    <p:cTn id="37" fill="hold">
-                      <p:stCondLst>
-                        <p:cond delay="indefinite"/>
-                      </p:stCondLst>
-                      <p:childTnLst>
-                        <p:par>
-                          <p:cTn id="38" fill="hold">
-                            <p:stCondLst>
-                              <p:cond delay="0"/>
-                            </p:stCondLst>
-                            <p:childTnLst>
-                              <p:par>
-                                <p:cTn id="39" presetID="42" presetClass="entr" presetSubtype="0" fill="hold" grpId="0" nodeType="clickEffect">
-                                  <p:stCondLst>
-                                    <p:cond delay="0"/>
-                                  </p:stCondLst>
-                                  <p:childTnLst>
-                                    <p:set>
-                                      <p:cBhvr>
-                                        <p:cTn id="40" dur="1" fill="hold">
-                                          <p:stCondLst>
-                                            <p:cond delay="0"/>
-                                          </p:stCondLst>
-                                        </p:cTn>
-                                        <p:tgtEl>
-                                          <p:spTgt spid="20"/>
-                                        </p:tgtEl>
-                                        <p:attrNameLst>
-                                          <p:attrName>style.visibility</p:attrName>
-                                        </p:attrNameLst>
-                                      </p:cBhvr>
-                                      <p:to>
-                                        <p:strVal val="visible"/>
-                                      </p:to>
-                                    </p:set>
-                                    <p:animEffect transition="in" filter="fade">
-                                      <p:cBhvr>
-                                        <p:cTn id="41" dur="1000"/>
-                                        <p:tgtEl>
-                                          <p:spTgt spid="20"/>
-                                        </p:tgtEl>
-                                      </p:cBhvr>
-                                    </p:animEffect>
-                                    <p:anim calcmode="lin" valueType="num">
-                                      <p:cBhvr>
-                                        <p:cTn id="42" dur="1000" fill="hold"/>
-                                        <p:tgtEl>
-                                          <p:spTgt spid="20"/>
-                                        </p:tgtEl>
-                                        <p:attrNameLst>
-                                          <p:attrName>ppt_x</p:attrName>
-                                        </p:attrNameLst>
-                                      </p:cBhvr>
-                                      <p:tavLst>
-                                        <p:tav tm="0">
-                                          <p:val>
-                                            <p:strVal val="#ppt_x"/>
-                                          </p:val>
-                                        </p:tav>
-                                        <p:tav tm="100000">
-                                          <p:val>
-                                            <p:strVal val="#ppt_x"/>
-                                          </p:val>
-                                        </p:tav>
-                                      </p:tavLst>
-                                    </p:anim>
-                                    <p:anim calcmode="lin" valueType="num">
-                                      <p:cBhvr>
-                                        <p:cTn id="43" dur="1000" fill="hold"/>
-                                        <p:tgtEl>
-                                          <p:spTgt spid="20"/>
-                                        </p:tgtEl>
-                                        <p:attrNameLst>
-                                          <p:attrName>ppt_y</p:attrName>
-                                        </p:attrNameLst>
-                                      </p:cBhvr>
-                                      <p:tavLst>
-                                        <p:tav tm="0">
-                                          <p:val>
-                                            <p:strVal val="#ppt_y+.1"/>
-                                          </p:val>
-                                        </p:tav>
-                                        <p:tav tm="100000">
-                                          <p:val>
-                                            <p:strVal val="#ppt_y"/>
-                                          </p:val>
-                                        </p:tav>
-                                      </p:tavLst>
-                                    </p:anim>
-                                  </p:childTnLst>
-                                </p:cTn>
-                              </p:par>
-                              <p:par>
-                                <p:cTn id="44" presetID="32" presetClass="emph" presetSubtype="0" fill="hold" nodeType="withEffect">
-                                  <p:stCondLst>
-                                    <p:cond delay="0"/>
-                                  </p:stCondLst>
-                                  <p:childTnLst>
-                                    <p:animRot by="120000">
-                                      <p:cBhvr>
-                                        <p:cTn id="45" dur="100" fill="hold">
-                                          <p:stCondLst>
-                                            <p:cond delay="0"/>
-                                          </p:stCondLst>
-                                        </p:cTn>
-                                        <p:tgtEl>
-                                          <p:spTgt spid="1028"/>
-                                        </p:tgtEl>
-                                        <p:attrNameLst>
-                                          <p:attrName>r</p:attrName>
-                                        </p:attrNameLst>
-                                      </p:cBhvr>
-                                    </p:animRot>
-                                    <p:animRot by="-240000">
-                                      <p:cBhvr>
-                                        <p:cTn id="46" dur="200" fill="hold">
-                                          <p:stCondLst>
-                                            <p:cond delay="200"/>
-                                          </p:stCondLst>
-                                        </p:cTn>
-                                        <p:tgtEl>
-                                          <p:spTgt spid="1028"/>
-                                        </p:tgtEl>
-                                        <p:attrNameLst>
-                                          <p:attrName>r</p:attrName>
-                                        </p:attrNameLst>
-                                      </p:cBhvr>
-                                    </p:animRot>
-                                    <p:animRot by="240000">
-                                      <p:cBhvr>
-                                        <p:cTn id="47" dur="200" fill="hold">
-                                          <p:stCondLst>
-                                            <p:cond delay="400"/>
-                                          </p:stCondLst>
-                                        </p:cTn>
-                                        <p:tgtEl>
-                                          <p:spTgt spid="1028"/>
-                                        </p:tgtEl>
-                                        <p:attrNameLst>
-                                          <p:attrName>r</p:attrName>
-                                        </p:attrNameLst>
-                                      </p:cBhvr>
-                                    </p:animRot>
-                                    <p:animRot by="-240000">
-                                      <p:cBhvr>
-                                        <p:cTn id="48" dur="200" fill="hold">
-                                          <p:stCondLst>
-                                            <p:cond delay="600"/>
-                                          </p:stCondLst>
-                                        </p:cTn>
-                                        <p:tgtEl>
-                                          <p:spTgt spid="1028"/>
-                                        </p:tgtEl>
-                                        <p:attrNameLst>
-                                          <p:attrName>r</p:attrName>
-                                        </p:attrNameLst>
-                                      </p:cBhvr>
-                                    </p:animRot>
-                                    <p:animRot by="120000">
-                                      <p:cBhvr>
-                                        <p:cTn id="49" dur="200" fill="hold">
+                                        <p:cTn id="15" dur="200" fill="hold">
                                           <p:stCondLst>
                                             <p:cond delay="800"/>
                                           </p:stCondLst>
@@ -4610,8 +7080,6 @@
       </p:par>
     </p:tnLst>
     <p:bldLst>
-      <p:bldP spid="13" grpId="0" build="p"/>
-      <p:bldP spid="19" grpId="0"/>
       <p:bldP spid="20" grpId="0"/>
     </p:bldLst>
   </p:timing>

--- a/Apresentação/Apresentação R6CC.pptx
+++ b/Apresentação/Apresentação R6CC.pptx
@@ -3814,174 +3814,6 @@
                                   </p:childTnLst>
                                 </p:cTn>
                               </p:par>
-                              <p:par>
-                                <p:cTn id="24" presetID="32" presetClass="emph" presetSubtype="0" fill="hold" nodeType="withEffect">
-                                  <p:stCondLst>
-                                    <p:cond delay="0"/>
-                                  </p:stCondLst>
-                                  <p:childTnLst>
-                                    <p:animRot by="120000">
-                                      <p:cBhvr>
-                                        <p:cTn id="25" dur="100" fill="hold">
-                                          <p:stCondLst>
-                                            <p:cond delay="0"/>
-                                          </p:stCondLst>
-                                        </p:cTn>
-                                        <p:tgtEl>
-                                          <p:spTgt spid="1028"/>
-                                        </p:tgtEl>
-                                        <p:attrNameLst>
-                                          <p:attrName>r</p:attrName>
-                                        </p:attrNameLst>
-                                      </p:cBhvr>
-                                    </p:animRot>
-                                    <p:animRot by="-240000">
-                                      <p:cBhvr>
-                                        <p:cTn id="26" dur="200" fill="hold">
-                                          <p:stCondLst>
-                                            <p:cond delay="200"/>
-                                          </p:stCondLst>
-                                        </p:cTn>
-                                        <p:tgtEl>
-                                          <p:spTgt spid="1028"/>
-                                        </p:tgtEl>
-                                        <p:attrNameLst>
-                                          <p:attrName>r</p:attrName>
-                                        </p:attrNameLst>
-                                      </p:cBhvr>
-                                    </p:animRot>
-                                    <p:animRot by="240000">
-                                      <p:cBhvr>
-                                        <p:cTn id="27" dur="200" fill="hold">
-                                          <p:stCondLst>
-                                            <p:cond delay="400"/>
-                                          </p:stCondLst>
-                                        </p:cTn>
-                                        <p:tgtEl>
-                                          <p:spTgt spid="1028"/>
-                                        </p:tgtEl>
-                                        <p:attrNameLst>
-                                          <p:attrName>r</p:attrName>
-                                        </p:attrNameLst>
-                                      </p:cBhvr>
-                                    </p:animRot>
-                                    <p:animRot by="-240000">
-                                      <p:cBhvr>
-                                        <p:cTn id="28" dur="200" fill="hold">
-                                          <p:stCondLst>
-                                            <p:cond delay="600"/>
-                                          </p:stCondLst>
-                                        </p:cTn>
-                                        <p:tgtEl>
-                                          <p:spTgt spid="1028"/>
-                                        </p:tgtEl>
-                                        <p:attrNameLst>
-                                          <p:attrName>r</p:attrName>
-                                        </p:attrNameLst>
-                                      </p:cBhvr>
-                                    </p:animRot>
-                                    <p:animRot by="120000">
-                                      <p:cBhvr>
-                                        <p:cTn id="29" dur="200" fill="hold">
-                                          <p:stCondLst>
-                                            <p:cond delay="800"/>
-                                          </p:stCondLst>
-                                        </p:cTn>
-                                        <p:tgtEl>
-                                          <p:spTgt spid="1028"/>
-                                        </p:tgtEl>
-                                        <p:attrNameLst>
-                                          <p:attrName>r</p:attrName>
-                                        </p:attrNameLst>
-                                      </p:cBhvr>
-                                    </p:animRot>
-                                  </p:childTnLst>
-                                </p:cTn>
-                              </p:par>
-                              <p:par>
-                                <p:cTn id="30" presetID="32" presetClass="emph" presetSubtype="0" fill="hold" nodeType="withEffect">
-                                  <p:stCondLst>
-                                    <p:cond delay="0"/>
-                                  </p:stCondLst>
-                                  <p:childTnLst>
-                                    <p:animRot by="120000">
-                                      <p:cBhvr>
-                                        <p:cTn id="31" dur="100" fill="hold">
-                                          <p:stCondLst>
-                                            <p:cond delay="0"/>
-                                          </p:stCondLst>
-                                        </p:cTn>
-                                        <p:tgtEl>
-                                          <p:spTgt spid="1028"/>
-                                        </p:tgtEl>
-                                        <p:attrNameLst>
-                                          <p:attrName>r</p:attrName>
-                                        </p:attrNameLst>
-                                      </p:cBhvr>
-                                    </p:animRot>
-                                    <p:animRot by="-240000">
-                                      <p:cBhvr>
-                                        <p:cTn id="32" dur="200" fill="hold">
-                                          <p:stCondLst>
-                                            <p:cond delay="200"/>
-                                          </p:stCondLst>
-                                        </p:cTn>
-                                        <p:tgtEl>
-                                          <p:spTgt spid="1028"/>
-                                        </p:tgtEl>
-                                        <p:attrNameLst>
-                                          <p:attrName>r</p:attrName>
-                                        </p:attrNameLst>
-                                      </p:cBhvr>
-                                    </p:animRot>
-                                    <p:animRot by="240000">
-                                      <p:cBhvr>
-                                        <p:cTn id="33" dur="200" fill="hold">
-                                          <p:stCondLst>
-                                            <p:cond delay="400"/>
-                                          </p:stCondLst>
-                                        </p:cTn>
-                                        <p:tgtEl>
-                                          <p:spTgt spid="1028"/>
-                                        </p:tgtEl>
-                                        <p:attrNameLst>
-                                          <p:attrName>r</p:attrName>
-                                        </p:attrNameLst>
-                                      </p:cBhvr>
-                                    </p:animRot>
-                                    <p:animRot by="-240000">
-                                      <p:cBhvr>
-                                        <p:cTn id="34" dur="200" fill="hold">
-                                          <p:stCondLst>
-                                            <p:cond delay="600"/>
-                                          </p:stCondLst>
-                                        </p:cTn>
-                                        <p:tgtEl>
-                                          <p:spTgt spid="1028"/>
-                                        </p:tgtEl>
-                                        <p:attrNameLst>
-                                          <p:attrName>r</p:attrName>
-                                        </p:attrNameLst>
-                                      </p:cBhvr>
-                                    </p:animRot>
-                                    <p:animRot by="120000">
-                                      <p:cBhvr>
-                                        <p:cTn id="35" dur="200" fill="hold">
-                                          <p:stCondLst>
-                                            <p:cond delay="800"/>
-                                          </p:stCondLst>
-                                        </p:cTn>
-                                        <p:tgtEl>
-                                          <p:spTgt spid="1028"/>
-                                        </p:tgtEl>
-                                        <p:attrNameLst>
-                                          <p:attrName>r</p:attrName>
-                                        </p:attrNameLst>
-                                      </p:cBhvr>
-                                    </p:animRot>
-                                  </p:childTnLst>
-                                </p:cTn>
-                              </p:par>
                             </p:childTnLst>
                           </p:cTn>
                         </p:par>
@@ -4114,7 +3946,23 @@
                   <a:schemeClr val="bg1"/>
                 </a:solidFill>
               </a:rPr>
-              <a:t>É um CQB (Close Quarters Battle)</a:t>
+              <a:t>É um </a:t>
+            </a:r>
+            <a:r>
+              <a:rPr lang="pt-BR" b="1" dirty="0">
+                <a:solidFill>
+                  <a:srgbClr val="C72641"/>
+                </a:solidFill>
+              </a:rPr>
+              <a:t>CQB</a:t>
+            </a:r>
+            <a:r>
+              <a:rPr lang="pt-BR" dirty="0">
+                <a:solidFill>
+                  <a:schemeClr val="bg1"/>
+                </a:solidFill>
+              </a:rPr>
+              <a:t> (Close Quarters Battle)</a:t>
             </a:r>
           </a:p>
         </p:txBody>
@@ -4171,17 +4019,23 @@
                   <a:schemeClr val="bg1"/>
                 </a:solidFill>
               </a:rPr>
-              <a:t>Jogo quebrado no lançamento</a:t>
-            </a:r>
-          </a:p>
-          <a:p>
+              <a:t>Jogo </a:t>
+            </a:r>
+            <a:r>
+              <a:rPr lang="pt-BR" dirty="0">
+                <a:solidFill>
+                  <a:srgbClr val="FF0000"/>
+                </a:solidFill>
+              </a:rPr>
+              <a:t>quebrado</a:t>
+            </a:r>
             <a:r>
               <a:rPr lang="pt-BR" dirty="0">
                 <a:solidFill>
                   <a:schemeClr val="bg1"/>
                 </a:solidFill>
               </a:rPr>
-              <a:t>A “cura” de Rainbow Six</a:t>
+              <a:t> no lançamento</a:t>
             </a:r>
           </a:p>
           <a:p>
@@ -4191,7 +4045,41 @@
                   <a:schemeClr val="bg1"/>
                 </a:solidFill>
               </a:rPr>
-              <a:t>2019 – 30 Milhões</a:t>
+              <a:t>A “</a:t>
+            </a:r>
+            <a:r>
+              <a:rPr lang="pt-BR" dirty="0">
+                <a:solidFill>
+                  <a:srgbClr val="92D050"/>
+                </a:solidFill>
+              </a:rPr>
+              <a:t>cura</a:t>
+            </a:r>
+            <a:r>
+              <a:rPr lang="pt-BR" dirty="0">
+                <a:solidFill>
+                  <a:schemeClr val="bg1"/>
+                </a:solidFill>
+              </a:rPr>
+              <a:t>” de Rainbow Six</a:t>
+            </a:r>
+          </a:p>
+          <a:p>
+            <a:r>
+              <a:rPr lang="pt-BR" dirty="0">
+                <a:solidFill>
+                  <a:schemeClr val="bg1"/>
+                </a:solidFill>
+              </a:rPr>
+              <a:t>2019 – </a:t>
+            </a:r>
+            <a:r>
+              <a:rPr lang="pt-BR" b="1" dirty="0">
+                <a:solidFill>
+                  <a:schemeClr val="bg1"/>
+                </a:solidFill>
+              </a:rPr>
+              <a:t>30 Milhões</a:t>
             </a:r>
           </a:p>
         </p:txBody>
@@ -5906,9 +5794,18 @@
   <p:clrMapOvr>
     <a:masterClrMapping/>
   </p:clrMapOvr>
-  <p:transition spd="slow">
-    <p:push dir="u"/>
-  </p:transition>
+  <mc:AlternateContent xmlns:mc="http://schemas.openxmlformats.org/markup-compatibility/2006">
+    <mc:Choice xmlns:p14="http://schemas.microsoft.com/office/powerpoint/2010/main" Requires="p14">
+      <p:transition spd="slow" p14:dur="1300">
+        <p14:pan dir="d"/>
+      </p:transition>
+    </mc:Choice>
+    <mc:Fallback>
+      <p:transition spd="slow">
+        <p:fade/>
+      </p:transition>
+    </mc:Fallback>
+  </mc:AlternateContent>
   <p:timing>
     <p:tnLst>
       <p:par>
@@ -6229,6 +6126,217 @@
           <a:chExt cx="0" cy="0"/>
         </a:xfrm>
       </p:grpSpPr>
+      <p:sp>
+        <p:nvSpPr>
+          <p:cNvPr id="2" name="Retângulo 1">
+            <a:extLst>
+              <a:ext uri="{FF2B5EF4-FFF2-40B4-BE49-F238E27FC236}">
+                <a16:creationId xmlns:a16="http://schemas.microsoft.com/office/drawing/2014/main" id="{0EA4C10C-74C7-4765-9387-376CDD5308AE}"/>
+              </a:ext>
+            </a:extLst>
+          </p:cNvPr>
+          <p:cNvSpPr/>
+          <p:nvPr/>
+        </p:nvSpPr>
+        <p:spPr>
+          <a:xfrm>
+            <a:off x="0" y="0"/>
+            <a:ext cx="12192000" cy="6858000"/>
+          </a:xfrm>
+          <a:prstGeom prst="rect">
+            <a:avLst/>
+          </a:prstGeom>
+          <a:solidFill>
+            <a:schemeClr val="tx1">
+              <a:alpha val="90000"/>
+            </a:schemeClr>
+          </a:solidFill>
+          <a:ln>
+            <a:noFill/>
+          </a:ln>
+        </p:spPr>
+        <p:style>
+          <a:lnRef idx="2">
+            <a:schemeClr val="accent1">
+              <a:shade val="50000"/>
+            </a:schemeClr>
+          </a:lnRef>
+          <a:fillRef idx="1">
+            <a:schemeClr val="accent1"/>
+          </a:fillRef>
+          <a:effectRef idx="0">
+            <a:schemeClr val="accent1"/>
+          </a:effectRef>
+          <a:fontRef idx="minor">
+            <a:schemeClr val="lt1"/>
+          </a:fontRef>
+        </p:style>
+        <p:txBody>
+          <a:bodyPr rtlCol="0" anchor="ctr"/>
+          <a:lstStyle/>
+          <a:p>
+            <a:pPr algn="ctr"/>
+            <a:endParaRPr lang="pt-BR"/>
+          </a:p>
+        </p:txBody>
+      </p:sp>
+      <p:sp>
+        <p:nvSpPr>
+          <p:cNvPr id="3" name="Título 2">
+            <a:extLst>
+              <a:ext uri="{FF2B5EF4-FFF2-40B4-BE49-F238E27FC236}">
+                <a16:creationId xmlns:a16="http://schemas.microsoft.com/office/drawing/2014/main" id="{46288289-4CD9-440A-AF9C-914245A5B506}"/>
+              </a:ext>
+            </a:extLst>
+          </p:cNvPr>
+          <p:cNvSpPr>
+            <a:spLocks noGrp="1"/>
+          </p:cNvSpPr>
+          <p:nvPr>
+            <p:ph type="title"/>
+          </p:nvPr>
+        </p:nvSpPr>
+        <p:spPr/>
+        <p:txBody>
+          <a:bodyPr/>
+          <a:lstStyle/>
+          <a:p>
+            <a:r>
+              <a:rPr lang="pt-BR" dirty="0">
+                <a:solidFill>
+                  <a:schemeClr val="bg1"/>
+                </a:solidFill>
+              </a:rPr>
+              <a:t>Objetivo – NÃO ESQUECER DE TERMINAR</a:t>
+            </a:r>
+          </a:p>
+        </p:txBody>
+      </p:sp>
+      <p:sp>
+        <p:nvSpPr>
+          <p:cNvPr id="4" name="Espaço Reservado para Conteúdo 3">
+            <a:extLst>
+              <a:ext uri="{FF2B5EF4-FFF2-40B4-BE49-F238E27FC236}">
+                <a16:creationId xmlns:a16="http://schemas.microsoft.com/office/drawing/2014/main" id="{461178E8-2DC5-495F-9CDB-1965CA6D02C5}"/>
+              </a:ext>
+            </a:extLst>
+          </p:cNvPr>
+          <p:cNvSpPr>
+            <a:spLocks noGrp="1"/>
+          </p:cNvSpPr>
+          <p:nvPr>
+            <p:ph idx="1"/>
+          </p:nvPr>
+        </p:nvSpPr>
+        <p:spPr>
+          <a:xfrm>
+            <a:off x="838200" y="1825625"/>
+            <a:ext cx="4462670" cy="4351338"/>
+          </a:xfrm>
+        </p:spPr>
+        <p:txBody>
+          <a:bodyPr/>
+          <a:lstStyle/>
+          <a:p>
+            <a:r>
+              <a:rPr lang="pt-BR" dirty="0">
+                <a:solidFill>
+                  <a:srgbClr val="00B0F0"/>
+                </a:solidFill>
+              </a:rPr>
+              <a:t>Atacantes</a:t>
+            </a:r>
+            <a:r>
+              <a:rPr lang="pt-BR" dirty="0">
+                <a:solidFill>
+                  <a:schemeClr val="bg1"/>
+                </a:solidFill>
+              </a:rPr>
+              <a:t> x </a:t>
+            </a:r>
+            <a:r>
+              <a:rPr lang="pt-BR" dirty="0">
+                <a:solidFill>
+                  <a:schemeClr val="accent2"/>
+                </a:solidFill>
+              </a:rPr>
+              <a:t>Defensores</a:t>
+            </a:r>
+          </a:p>
+          <a:p>
+            <a:r>
+              <a:rPr lang="pt-BR" dirty="0">
+                <a:solidFill>
+                  <a:schemeClr val="bg1"/>
+                </a:solidFill>
+              </a:rPr>
+              <a:t>Equipes de 5 </a:t>
+            </a:r>
+            <a:r>
+              <a:rPr lang="pt-BR" dirty="0">
+                <a:solidFill>
+                  <a:srgbClr val="C72641"/>
+                </a:solidFill>
+              </a:rPr>
+              <a:t>operadores</a:t>
+            </a:r>
+          </a:p>
+          <a:p>
+            <a:r>
+              <a:rPr lang="pt-BR" dirty="0">
+                <a:solidFill>
+                  <a:schemeClr val="bg1"/>
+                </a:solidFill>
+              </a:rPr>
+              <a:t>Habilidade </a:t>
+            </a:r>
+            <a:r>
+              <a:rPr lang="pt-BR" dirty="0">
+                <a:solidFill>
+                  <a:srgbClr val="00B050"/>
+                </a:solidFill>
+              </a:rPr>
+              <a:t>ÚNICA</a:t>
+            </a:r>
+          </a:p>
+          <a:p>
+            <a:r>
+              <a:rPr lang="pt-BR" dirty="0">
+                <a:solidFill>
+                  <a:schemeClr val="bg1"/>
+                </a:solidFill>
+              </a:rPr>
+              <a:t>Objetivo dos </a:t>
+            </a:r>
+            <a:r>
+              <a:rPr lang="pt-BR" dirty="0">
+                <a:solidFill>
+                  <a:schemeClr val="accent2"/>
+                </a:solidFill>
+              </a:rPr>
+              <a:t>Defensores</a:t>
+            </a:r>
+          </a:p>
+          <a:p>
+            <a:r>
+              <a:rPr lang="pt-BR" dirty="0">
+                <a:solidFill>
+                  <a:schemeClr val="bg1"/>
+                </a:solidFill>
+              </a:rPr>
+              <a:t>Objetivo dos </a:t>
+            </a:r>
+            <a:r>
+              <a:rPr lang="pt-BR" dirty="0">
+                <a:solidFill>
+                  <a:srgbClr val="00B0F0"/>
+                </a:solidFill>
+              </a:rPr>
+              <a:t>Atacantes</a:t>
+            </a:r>
+          </a:p>
+        </p:txBody>
+      </p:sp>
     </p:spTree>
     <p:extLst>
       <p:ext uri="{BB962C8B-B14F-4D97-AF65-F5344CB8AC3E}">
@@ -6239,6 +6347,18 @@
   <p:clrMapOvr>
     <a:masterClrMapping/>
   </p:clrMapOvr>
+  <mc:AlternateContent xmlns:mc="http://schemas.openxmlformats.org/markup-compatibility/2006">
+    <mc:Choice xmlns:p14="http://schemas.microsoft.com/office/powerpoint/2010/main" Requires="p14">
+      <p:transition spd="slow" p14:dur="1300">
+        <p14:pan dir="u"/>
+      </p:transition>
+    </mc:Choice>
+    <mc:Fallback>
+      <p:transition spd="slow">
+        <p:fade/>
+      </p:transition>
+    </mc:Fallback>
+  </mc:AlternateContent>
 </p:sld>
 </file>
 
@@ -6861,9 +6981,18 @@
   <p:clrMapOvr>
     <a:masterClrMapping/>
   </p:clrMapOvr>
-  <p:transition spd="slow">
-    <p:push dir="u"/>
-  </p:transition>
+  <mc:AlternateContent xmlns:mc="http://schemas.openxmlformats.org/markup-compatibility/2006">
+    <mc:Choice xmlns:p14="http://schemas.microsoft.com/office/powerpoint/2010/main" Requires="p14">
+      <p:transition spd="slow" p14:dur="1300">
+        <p14:pan dir="d"/>
+      </p:transition>
+    </mc:Choice>
+    <mc:Fallback>
+      <p:transition spd="slow">
+        <p:fade/>
+      </p:transition>
+    </mc:Fallback>
+  </mc:AlternateContent>
   <p:timing>
     <p:tnLst>
       <p:par>
